--- a/画板.pptx
+++ b/画板.pptx
@@ -8,6 +8,8 @@
     <p:sldId id="256" r:id="rId2"/>
     <p:sldId id="257" r:id="rId3"/>
     <p:sldId id="258" r:id="rId4"/>
+    <p:sldId id="259" r:id="rId5"/>
+    <p:sldId id="260" r:id="rId6"/>
   </p:sldIdLst>
   <p:sldSz cx="9144000" cy="6858000" type="screen4x3"/>
   <p:notesSz cx="6858000" cy="9144000"/>
@@ -245,7 +247,7 @@
           <a:p>
             <a:fld id="{8AB29141-EE5A-4F60-906E-CFBCED70F3F3}" type="datetimeFigureOut">
               <a:rPr lang="zh-CN" altLang="en-US" smtClean="0"/>
-              <a:t>2023/9/16</a:t>
+              <a:t>2024/10/3</a:t>
             </a:fld>
             <a:endParaRPr lang="zh-CN" altLang="en-US"/>
           </a:p>
@@ -415,7 +417,7 @@
           <a:p>
             <a:fld id="{8AB29141-EE5A-4F60-906E-CFBCED70F3F3}" type="datetimeFigureOut">
               <a:rPr lang="zh-CN" altLang="en-US" smtClean="0"/>
-              <a:t>2023/9/16</a:t>
+              <a:t>2024/10/3</a:t>
             </a:fld>
             <a:endParaRPr lang="zh-CN" altLang="en-US"/>
           </a:p>
@@ -595,7 +597,7 @@
           <a:p>
             <a:fld id="{8AB29141-EE5A-4F60-906E-CFBCED70F3F3}" type="datetimeFigureOut">
               <a:rPr lang="zh-CN" altLang="en-US" smtClean="0"/>
-              <a:t>2023/9/16</a:t>
+              <a:t>2024/10/3</a:t>
             </a:fld>
             <a:endParaRPr lang="zh-CN" altLang="en-US"/>
           </a:p>
@@ -765,7 +767,7 @@
           <a:p>
             <a:fld id="{8AB29141-EE5A-4F60-906E-CFBCED70F3F3}" type="datetimeFigureOut">
               <a:rPr lang="zh-CN" altLang="en-US" smtClean="0"/>
-              <a:t>2023/9/16</a:t>
+              <a:t>2024/10/3</a:t>
             </a:fld>
             <a:endParaRPr lang="zh-CN" altLang="en-US"/>
           </a:p>
@@ -1009,7 +1011,7 @@
           <a:p>
             <a:fld id="{8AB29141-EE5A-4F60-906E-CFBCED70F3F3}" type="datetimeFigureOut">
               <a:rPr lang="zh-CN" altLang="en-US" smtClean="0"/>
-              <a:t>2023/9/16</a:t>
+              <a:t>2024/10/3</a:t>
             </a:fld>
             <a:endParaRPr lang="zh-CN" altLang="en-US"/>
           </a:p>
@@ -1241,7 +1243,7 @@
           <a:p>
             <a:fld id="{8AB29141-EE5A-4F60-906E-CFBCED70F3F3}" type="datetimeFigureOut">
               <a:rPr lang="zh-CN" altLang="en-US" smtClean="0"/>
-              <a:t>2023/9/16</a:t>
+              <a:t>2024/10/3</a:t>
             </a:fld>
             <a:endParaRPr lang="zh-CN" altLang="en-US"/>
           </a:p>
@@ -1608,7 +1610,7 @@
           <a:p>
             <a:fld id="{8AB29141-EE5A-4F60-906E-CFBCED70F3F3}" type="datetimeFigureOut">
               <a:rPr lang="zh-CN" altLang="en-US" smtClean="0"/>
-              <a:t>2023/9/16</a:t>
+              <a:t>2024/10/3</a:t>
             </a:fld>
             <a:endParaRPr lang="zh-CN" altLang="en-US"/>
           </a:p>
@@ -1726,7 +1728,7 @@
           <a:p>
             <a:fld id="{8AB29141-EE5A-4F60-906E-CFBCED70F3F3}" type="datetimeFigureOut">
               <a:rPr lang="zh-CN" altLang="en-US" smtClean="0"/>
-              <a:t>2023/9/16</a:t>
+              <a:t>2024/10/3</a:t>
             </a:fld>
             <a:endParaRPr lang="zh-CN" altLang="en-US"/>
           </a:p>
@@ -1821,7 +1823,7 @@
           <a:p>
             <a:fld id="{8AB29141-EE5A-4F60-906E-CFBCED70F3F3}" type="datetimeFigureOut">
               <a:rPr lang="zh-CN" altLang="en-US" smtClean="0"/>
-              <a:t>2023/9/16</a:t>
+              <a:t>2024/10/3</a:t>
             </a:fld>
             <a:endParaRPr lang="zh-CN" altLang="en-US"/>
           </a:p>
@@ -2098,7 +2100,7 @@
           <a:p>
             <a:fld id="{8AB29141-EE5A-4F60-906E-CFBCED70F3F3}" type="datetimeFigureOut">
               <a:rPr lang="zh-CN" altLang="en-US" smtClean="0"/>
-              <a:t>2023/9/16</a:t>
+              <a:t>2024/10/3</a:t>
             </a:fld>
             <a:endParaRPr lang="zh-CN" altLang="en-US"/>
           </a:p>
@@ -2355,7 +2357,7 @@
           <a:p>
             <a:fld id="{8AB29141-EE5A-4F60-906E-CFBCED70F3F3}" type="datetimeFigureOut">
               <a:rPr lang="zh-CN" altLang="en-US" smtClean="0"/>
-              <a:t>2023/9/16</a:t>
+              <a:t>2024/10/3</a:t>
             </a:fld>
             <a:endParaRPr lang="zh-CN" altLang="en-US"/>
           </a:p>
@@ -2568,7 +2570,7 @@
           <a:p>
             <a:fld id="{8AB29141-EE5A-4F60-906E-CFBCED70F3F3}" type="datetimeFigureOut">
               <a:rPr lang="zh-CN" altLang="en-US" smtClean="0"/>
-              <a:t>2023/9/16</a:t>
+              <a:t>2024/10/3</a:t>
             </a:fld>
             <a:endParaRPr lang="zh-CN" altLang="en-US"/>
           </a:p>
@@ -5533,6 +5535,2332 @@
 </p:sld>
 </file>
 
+<file path=ppt/slides/slide4.xml><?xml version="1.0" encoding="utf-8"?>
+<p:sld xmlns:a="http://schemas.openxmlformats.org/drawingml/2006/main" xmlns:r="http://schemas.openxmlformats.org/officeDocument/2006/relationships" xmlns:p="http://schemas.openxmlformats.org/presentationml/2006/main">
+  <p:cSld>
+    <p:spTree>
+      <p:nvGrpSpPr>
+        <p:cNvPr id="1" name=""/>
+        <p:cNvGrpSpPr/>
+        <p:nvPr/>
+      </p:nvGrpSpPr>
+      <p:grpSpPr>
+        <a:xfrm>
+          <a:off x="0" y="0"/>
+          <a:ext cx="0" cy="0"/>
+          <a:chOff x="0" y="0"/>
+          <a:chExt cx="0" cy="0"/>
+        </a:xfrm>
+      </p:grpSpPr>
+      <p:cxnSp>
+        <p:nvCxnSpPr>
+          <p:cNvPr id="4" name="直接连接符 3">
+            <a:extLst>
+              <a:ext uri="{FF2B5EF4-FFF2-40B4-BE49-F238E27FC236}">
+                <a16:creationId xmlns:a16="http://schemas.microsoft.com/office/drawing/2014/main" id="{2399DF13-11C6-289E-D5E9-FCF73190B83A}"/>
+              </a:ext>
+            </a:extLst>
+          </p:cNvPr>
+          <p:cNvCxnSpPr>
+            <a:cxnSpLocks/>
+          </p:cNvCxnSpPr>
+          <p:nvPr/>
+        </p:nvCxnSpPr>
+        <p:spPr>
+          <a:xfrm flipH="1">
+            <a:off x="3489690" y="3428999"/>
+            <a:ext cx="720000" cy="0"/>
+          </a:xfrm>
+          <a:prstGeom prst="line">
+            <a:avLst/>
+          </a:prstGeom>
+          <a:ln w="38100">
+            <a:solidFill>
+              <a:srgbClr val="FF0000"/>
+            </a:solidFill>
+          </a:ln>
+        </p:spPr>
+        <p:style>
+          <a:lnRef idx="1">
+            <a:schemeClr val="accent1"/>
+          </a:lnRef>
+          <a:fillRef idx="0">
+            <a:schemeClr val="accent1"/>
+          </a:fillRef>
+          <a:effectRef idx="0">
+            <a:schemeClr val="accent1"/>
+          </a:effectRef>
+          <a:fontRef idx="minor">
+            <a:schemeClr val="tx1"/>
+          </a:fontRef>
+        </p:style>
+      </p:cxnSp>
+      <p:cxnSp>
+        <p:nvCxnSpPr>
+          <p:cNvPr id="5" name="直接连接符 4">
+            <a:extLst>
+              <a:ext uri="{FF2B5EF4-FFF2-40B4-BE49-F238E27FC236}">
+                <a16:creationId xmlns:a16="http://schemas.microsoft.com/office/drawing/2014/main" id="{6F300501-8886-5196-7FE1-66A0FAB50A09}"/>
+              </a:ext>
+            </a:extLst>
+          </p:cNvPr>
+          <p:cNvCxnSpPr>
+            <a:cxnSpLocks/>
+          </p:cNvCxnSpPr>
+          <p:nvPr/>
+        </p:nvCxnSpPr>
+        <p:spPr>
+          <a:xfrm flipH="1">
+            <a:off x="4934309" y="3428999"/>
+            <a:ext cx="720000" cy="0"/>
+          </a:xfrm>
+          <a:prstGeom prst="line">
+            <a:avLst/>
+          </a:prstGeom>
+          <a:ln w="38100">
+            <a:solidFill>
+              <a:srgbClr val="FF0000"/>
+            </a:solidFill>
+          </a:ln>
+        </p:spPr>
+        <p:style>
+          <a:lnRef idx="1">
+            <a:schemeClr val="accent1"/>
+          </a:lnRef>
+          <a:fillRef idx="0">
+            <a:schemeClr val="accent1"/>
+          </a:fillRef>
+          <a:effectRef idx="0">
+            <a:schemeClr val="accent1"/>
+          </a:effectRef>
+          <a:fontRef idx="minor">
+            <a:schemeClr val="tx1"/>
+          </a:fontRef>
+        </p:style>
+      </p:cxnSp>
+      <p:sp>
+        <p:nvSpPr>
+          <p:cNvPr id="2" name="椭圆 1">
+            <a:extLst>
+              <a:ext uri="{FF2B5EF4-FFF2-40B4-BE49-F238E27FC236}">
+                <a16:creationId xmlns:a16="http://schemas.microsoft.com/office/drawing/2014/main" id="{14EA0F4A-CDEA-68F9-DAF9-24AA7036D709}"/>
+              </a:ext>
+            </a:extLst>
+          </p:cNvPr>
+          <p:cNvSpPr/>
+          <p:nvPr/>
+        </p:nvSpPr>
+        <p:spPr>
+          <a:xfrm>
+            <a:off x="4209690" y="3066690"/>
+            <a:ext cx="724619" cy="724619"/>
+          </a:xfrm>
+          <a:prstGeom prst="ellipse">
+            <a:avLst/>
+          </a:prstGeom>
+          <a:solidFill>
+            <a:srgbClr val="0070C0"/>
+          </a:solidFill>
+          <a:ln>
+            <a:noFill/>
+          </a:ln>
+        </p:spPr>
+        <p:style>
+          <a:lnRef idx="2">
+            <a:schemeClr val="accent1">
+              <a:shade val="15000"/>
+            </a:schemeClr>
+          </a:lnRef>
+          <a:fillRef idx="1">
+            <a:schemeClr val="accent1"/>
+          </a:fillRef>
+          <a:effectRef idx="0">
+            <a:schemeClr val="accent1"/>
+          </a:effectRef>
+          <a:fontRef idx="minor">
+            <a:schemeClr val="lt1"/>
+          </a:fontRef>
+        </p:style>
+        <p:txBody>
+          <a:bodyPr rtlCol="0" anchor="ctr"/>
+          <a:lstStyle/>
+          <a:p>
+            <a:pPr algn="ctr"/>
+            <a:endParaRPr lang="zh-CN" altLang="en-US"/>
+          </a:p>
+        </p:txBody>
+      </p:sp>
+      <p:sp>
+        <p:nvSpPr>
+          <p:cNvPr id="9" name="椭圆 8">
+            <a:extLst>
+              <a:ext uri="{FF2B5EF4-FFF2-40B4-BE49-F238E27FC236}">
+                <a16:creationId xmlns:a16="http://schemas.microsoft.com/office/drawing/2014/main" id="{4598A0F9-24F9-F2A5-63B8-D2F3AE657DA0}"/>
+              </a:ext>
+            </a:extLst>
+          </p:cNvPr>
+          <p:cNvSpPr/>
+          <p:nvPr/>
+        </p:nvSpPr>
+        <p:spPr>
+          <a:xfrm>
+            <a:off x="2767381" y="3066689"/>
+            <a:ext cx="724619" cy="724619"/>
+          </a:xfrm>
+          <a:prstGeom prst="ellipse">
+            <a:avLst/>
+          </a:prstGeom>
+          <a:solidFill>
+            <a:srgbClr val="0070C0"/>
+          </a:solidFill>
+          <a:ln>
+            <a:noFill/>
+          </a:ln>
+        </p:spPr>
+        <p:style>
+          <a:lnRef idx="2">
+            <a:schemeClr val="accent1">
+              <a:shade val="15000"/>
+            </a:schemeClr>
+          </a:lnRef>
+          <a:fillRef idx="1">
+            <a:schemeClr val="accent1"/>
+          </a:fillRef>
+          <a:effectRef idx="0">
+            <a:schemeClr val="accent1"/>
+          </a:effectRef>
+          <a:fontRef idx="minor">
+            <a:schemeClr val="lt1"/>
+          </a:fontRef>
+        </p:style>
+        <p:txBody>
+          <a:bodyPr rtlCol="0" anchor="ctr"/>
+          <a:lstStyle/>
+          <a:p>
+            <a:pPr algn="ctr"/>
+            <a:endParaRPr lang="zh-CN" altLang="en-US"/>
+          </a:p>
+        </p:txBody>
+      </p:sp>
+      <p:sp>
+        <p:nvSpPr>
+          <p:cNvPr id="12" name="椭圆 11">
+            <a:extLst>
+              <a:ext uri="{FF2B5EF4-FFF2-40B4-BE49-F238E27FC236}">
+                <a16:creationId xmlns:a16="http://schemas.microsoft.com/office/drawing/2014/main" id="{ABF09C4C-A96B-50EB-9ADC-D189A60D04B5}"/>
+              </a:ext>
+            </a:extLst>
+          </p:cNvPr>
+          <p:cNvSpPr/>
+          <p:nvPr/>
+        </p:nvSpPr>
+        <p:spPr>
+          <a:xfrm>
+            <a:off x="5651999" y="3066689"/>
+            <a:ext cx="724619" cy="724619"/>
+          </a:xfrm>
+          <a:prstGeom prst="ellipse">
+            <a:avLst/>
+          </a:prstGeom>
+          <a:solidFill>
+            <a:srgbClr val="0070C0"/>
+          </a:solidFill>
+          <a:ln>
+            <a:noFill/>
+          </a:ln>
+        </p:spPr>
+        <p:style>
+          <a:lnRef idx="2">
+            <a:schemeClr val="accent1">
+              <a:shade val="15000"/>
+            </a:schemeClr>
+          </a:lnRef>
+          <a:fillRef idx="1">
+            <a:schemeClr val="accent1"/>
+          </a:fillRef>
+          <a:effectRef idx="0">
+            <a:schemeClr val="accent1"/>
+          </a:effectRef>
+          <a:fontRef idx="minor">
+            <a:schemeClr val="lt1"/>
+          </a:fontRef>
+        </p:style>
+        <p:txBody>
+          <a:bodyPr rtlCol="0" anchor="ctr"/>
+          <a:lstStyle/>
+          <a:p>
+            <a:pPr algn="ctr"/>
+            <a:endParaRPr lang="zh-CN" altLang="en-US"/>
+          </a:p>
+        </p:txBody>
+      </p:sp>
+      <p:cxnSp>
+        <p:nvCxnSpPr>
+          <p:cNvPr id="17" name="直接连接符 16">
+            <a:extLst>
+              <a:ext uri="{FF2B5EF4-FFF2-40B4-BE49-F238E27FC236}">
+                <a16:creationId xmlns:a16="http://schemas.microsoft.com/office/drawing/2014/main" id="{913CCEC8-B38F-A6E2-CBF6-C888B829A929}"/>
+              </a:ext>
+            </a:extLst>
+          </p:cNvPr>
+          <p:cNvCxnSpPr>
+            <a:cxnSpLocks/>
+          </p:cNvCxnSpPr>
+          <p:nvPr/>
+        </p:nvCxnSpPr>
+        <p:spPr>
+          <a:xfrm rot="5400000" flipH="1">
+            <a:off x="2774829" y="4151308"/>
+            <a:ext cx="720000" cy="0"/>
+          </a:xfrm>
+          <a:prstGeom prst="line">
+            <a:avLst/>
+          </a:prstGeom>
+          <a:ln w="38100">
+            <a:solidFill>
+              <a:srgbClr val="00B050"/>
+            </a:solidFill>
+          </a:ln>
+        </p:spPr>
+        <p:style>
+          <a:lnRef idx="1">
+            <a:schemeClr val="accent1"/>
+          </a:lnRef>
+          <a:fillRef idx="0">
+            <a:schemeClr val="accent1"/>
+          </a:fillRef>
+          <a:effectRef idx="0">
+            <a:schemeClr val="accent1"/>
+          </a:effectRef>
+          <a:fontRef idx="minor">
+            <a:schemeClr val="tx1"/>
+          </a:fontRef>
+        </p:style>
+      </p:cxnSp>
+      <p:cxnSp>
+        <p:nvCxnSpPr>
+          <p:cNvPr id="20" name="直接连接符 19">
+            <a:extLst>
+              <a:ext uri="{FF2B5EF4-FFF2-40B4-BE49-F238E27FC236}">
+                <a16:creationId xmlns:a16="http://schemas.microsoft.com/office/drawing/2014/main" id="{762E849C-EEC2-EA47-E05A-40883BA17A54}"/>
+              </a:ext>
+            </a:extLst>
+          </p:cNvPr>
+          <p:cNvCxnSpPr>
+            <a:cxnSpLocks/>
+          </p:cNvCxnSpPr>
+          <p:nvPr/>
+        </p:nvCxnSpPr>
+        <p:spPr>
+          <a:xfrm flipH="1">
+            <a:off x="4925683" y="4865813"/>
+            <a:ext cx="720000" cy="0"/>
+          </a:xfrm>
+          <a:prstGeom prst="line">
+            <a:avLst/>
+          </a:prstGeom>
+          <a:ln w="38100">
+            <a:solidFill>
+              <a:srgbClr val="FFFF00"/>
+            </a:solidFill>
+          </a:ln>
+        </p:spPr>
+        <p:style>
+          <a:lnRef idx="1">
+            <a:schemeClr val="accent1"/>
+          </a:lnRef>
+          <a:fillRef idx="0">
+            <a:schemeClr val="accent1"/>
+          </a:fillRef>
+          <a:effectRef idx="0">
+            <a:schemeClr val="accent1"/>
+          </a:effectRef>
+          <a:fontRef idx="minor">
+            <a:schemeClr val="tx1"/>
+          </a:fontRef>
+        </p:style>
+      </p:cxnSp>
+      <p:cxnSp>
+        <p:nvCxnSpPr>
+          <p:cNvPr id="21" name="直接连接符 20">
+            <a:extLst>
+              <a:ext uri="{FF2B5EF4-FFF2-40B4-BE49-F238E27FC236}">
+                <a16:creationId xmlns:a16="http://schemas.microsoft.com/office/drawing/2014/main" id="{6363ACCE-F69E-CBA1-FEF0-AC36C045FD28}"/>
+              </a:ext>
+            </a:extLst>
+          </p:cNvPr>
+          <p:cNvCxnSpPr>
+            <a:cxnSpLocks/>
+          </p:cNvCxnSpPr>
+          <p:nvPr/>
+        </p:nvCxnSpPr>
+        <p:spPr>
+          <a:xfrm flipH="1">
+            <a:off x="3489690" y="4883680"/>
+            <a:ext cx="720000" cy="0"/>
+          </a:xfrm>
+          <a:prstGeom prst="line">
+            <a:avLst/>
+          </a:prstGeom>
+          <a:ln w="38100">
+            <a:solidFill>
+              <a:srgbClr val="FFFF00"/>
+            </a:solidFill>
+          </a:ln>
+        </p:spPr>
+        <p:style>
+          <a:lnRef idx="1">
+            <a:schemeClr val="accent1"/>
+          </a:lnRef>
+          <a:fillRef idx="0">
+            <a:schemeClr val="accent1"/>
+          </a:fillRef>
+          <a:effectRef idx="0">
+            <a:schemeClr val="accent1"/>
+          </a:effectRef>
+          <a:fontRef idx="minor">
+            <a:schemeClr val="tx1"/>
+          </a:fontRef>
+        </p:style>
+      </p:cxnSp>
+      <p:cxnSp>
+        <p:nvCxnSpPr>
+          <p:cNvPr id="22" name="直接连接符 21">
+            <a:extLst>
+              <a:ext uri="{FF2B5EF4-FFF2-40B4-BE49-F238E27FC236}">
+                <a16:creationId xmlns:a16="http://schemas.microsoft.com/office/drawing/2014/main" id="{43C45B5B-9C0E-816C-61C0-125072544FC8}"/>
+              </a:ext>
+            </a:extLst>
+          </p:cNvPr>
+          <p:cNvCxnSpPr>
+            <a:cxnSpLocks/>
+          </p:cNvCxnSpPr>
+          <p:nvPr/>
+        </p:nvCxnSpPr>
+        <p:spPr>
+          <a:xfrm rot="5400000" flipH="1">
+            <a:off x="2774829" y="2706689"/>
+            <a:ext cx="720000" cy="0"/>
+          </a:xfrm>
+          <a:prstGeom prst="line">
+            <a:avLst/>
+          </a:prstGeom>
+          <a:ln w="38100">
+            <a:solidFill>
+              <a:srgbClr val="00B050"/>
+            </a:solidFill>
+          </a:ln>
+        </p:spPr>
+        <p:style>
+          <a:lnRef idx="1">
+            <a:schemeClr val="accent1"/>
+          </a:lnRef>
+          <a:fillRef idx="0">
+            <a:schemeClr val="accent1"/>
+          </a:fillRef>
+          <a:effectRef idx="0">
+            <a:schemeClr val="accent1"/>
+          </a:effectRef>
+          <a:fontRef idx="minor">
+            <a:schemeClr val="tx1"/>
+          </a:fontRef>
+        </p:style>
+      </p:cxnSp>
+      <p:sp>
+        <p:nvSpPr>
+          <p:cNvPr id="23" name="椭圆 22">
+            <a:extLst>
+              <a:ext uri="{FF2B5EF4-FFF2-40B4-BE49-F238E27FC236}">
+                <a16:creationId xmlns:a16="http://schemas.microsoft.com/office/drawing/2014/main" id="{E8A00606-EFE1-727E-32A3-58706C4E5677}"/>
+              </a:ext>
+            </a:extLst>
+          </p:cNvPr>
+          <p:cNvSpPr/>
+          <p:nvPr/>
+        </p:nvSpPr>
+        <p:spPr>
+          <a:xfrm>
+            <a:off x="2773697" y="1709770"/>
+            <a:ext cx="724619" cy="724619"/>
+          </a:xfrm>
+          <a:prstGeom prst="ellipse">
+            <a:avLst/>
+          </a:prstGeom>
+          <a:solidFill>
+            <a:srgbClr val="0070C0"/>
+          </a:solidFill>
+          <a:ln>
+            <a:noFill/>
+          </a:ln>
+        </p:spPr>
+        <p:style>
+          <a:lnRef idx="2">
+            <a:schemeClr val="accent1">
+              <a:shade val="15000"/>
+            </a:schemeClr>
+          </a:lnRef>
+          <a:fillRef idx="1">
+            <a:schemeClr val="accent1"/>
+          </a:fillRef>
+          <a:effectRef idx="0">
+            <a:schemeClr val="accent1"/>
+          </a:effectRef>
+          <a:fontRef idx="minor">
+            <a:schemeClr val="lt1"/>
+          </a:fontRef>
+        </p:style>
+        <p:txBody>
+          <a:bodyPr rtlCol="0" anchor="ctr"/>
+          <a:lstStyle/>
+          <a:p>
+            <a:pPr algn="ctr"/>
+            <a:endParaRPr lang="zh-CN" altLang="en-US"/>
+          </a:p>
+        </p:txBody>
+      </p:sp>
+      <p:cxnSp>
+        <p:nvCxnSpPr>
+          <p:cNvPr id="24" name="直接连接符 23">
+            <a:extLst>
+              <a:ext uri="{FF2B5EF4-FFF2-40B4-BE49-F238E27FC236}">
+                <a16:creationId xmlns:a16="http://schemas.microsoft.com/office/drawing/2014/main" id="{8EEE0F93-ECAD-4C51-C4A0-6E2B35C6276C}"/>
+              </a:ext>
+            </a:extLst>
+          </p:cNvPr>
+          <p:cNvCxnSpPr>
+            <a:cxnSpLocks/>
+          </p:cNvCxnSpPr>
+          <p:nvPr/>
+        </p:nvCxnSpPr>
+        <p:spPr>
+          <a:xfrm flipH="1">
+            <a:off x="6376618" y="3428998"/>
+            <a:ext cx="720000" cy="0"/>
+          </a:xfrm>
+          <a:prstGeom prst="line">
+            <a:avLst/>
+          </a:prstGeom>
+          <a:ln w="38100">
+            <a:solidFill>
+              <a:srgbClr val="FF0000"/>
+            </a:solidFill>
+          </a:ln>
+        </p:spPr>
+        <p:style>
+          <a:lnRef idx="1">
+            <a:schemeClr val="accent1"/>
+          </a:lnRef>
+          <a:fillRef idx="0">
+            <a:schemeClr val="accent1"/>
+          </a:fillRef>
+          <a:effectRef idx="0">
+            <a:schemeClr val="accent1"/>
+          </a:effectRef>
+          <a:fontRef idx="minor">
+            <a:schemeClr val="tx1"/>
+          </a:fontRef>
+        </p:style>
+      </p:cxnSp>
+      <p:sp>
+        <p:nvSpPr>
+          <p:cNvPr id="25" name="椭圆 24">
+            <a:extLst>
+              <a:ext uri="{FF2B5EF4-FFF2-40B4-BE49-F238E27FC236}">
+                <a16:creationId xmlns:a16="http://schemas.microsoft.com/office/drawing/2014/main" id="{BCAC1815-89D7-4496-6A70-757E9080A5EE}"/>
+              </a:ext>
+            </a:extLst>
+          </p:cNvPr>
+          <p:cNvSpPr/>
+          <p:nvPr/>
+        </p:nvSpPr>
+        <p:spPr>
+          <a:xfrm>
+            <a:off x="7089689" y="3066689"/>
+            <a:ext cx="724619" cy="724619"/>
+          </a:xfrm>
+          <a:prstGeom prst="ellipse">
+            <a:avLst/>
+          </a:prstGeom>
+          <a:solidFill>
+            <a:srgbClr val="0070C0"/>
+          </a:solidFill>
+          <a:ln>
+            <a:noFill/>
+          </a:ln>
+        </p:spPr>
+        <p:style>
+          <a:lnRef idx="2">
+            <a:schemeClr val="accent1">
+              <a:shade val="15000"/>
+            </a:schemeClr>
+          </a:lnRef>
+          <a:fillRef idx="1">
+            <a:schemeClr val="accent1"/>
+          </a:fillRef>
+          <a:effectRef idx="0">
+            <a:schemeClr val="accent1"/>
+          </a:effectRef>
+          <a:fontRef idx="minor">
+            <a:schemeClr val="lt1"/>
+          </a:fontRef>
+        </p:style>
+        <p:txBody>
+          <a:bodyPr rtlCol="0" anchor="ctr"/>
+          <a:lstStyle/>
+          <a:p>
+            <a:pPr algn="ctr"/>
+            <a:endParaRPr lang="zh-CN" altLang="en-US"/>
+          </a:p>
+        </p:txBody>
+      </p:sp>
+      <p:cxnSp>
+        <p:nvCxnSpPr>
+          <p:cNvPr id="26" name="直接连接符 25">
+            <a:extLst>
+              <a:ext uri="{FF2B5EF4-FFF2-40B4-BE49-F238E27FC236}">
+                <a16:creationId xmlns:a16="http://schemas.microsoft.com/office/drawing/2014/main" id="{AA7D7E50-F3B6-34E4-4E47-ED2CD10649DB}"/>
+              </a:ext>
+            </a:extLst>
+          </p:cNvPr>
+          <p:cNvCxnSpPr>
+            <a:cxnSpLocks/>
+          </p:cNvCxnSpPr>
+          <p:nvPr/>
+        </p:nvCxnSpPr>
+        <p:spPr>
+          <a:xfrm flipH="1">
+            <a:off x="2045071" y="3421808"/>
+            <a:ext cx="720000" cy="0"/>
+          </a:xfrm>
+          <a:prstGeom prst="line">
+            <a:avLst/>
+          </a:prstGeom>
+          <a:ln w="38100">
+            <a:solidFill>
+              <a:srgbClr val="FF0000"/>
+            </a:solidFill>
+          </a:ln>
+        </p:spPr>
+        <p:style>
+          <a:lnRef idx="1">
+            <a:schemeClr val="accent1"/>
+          </a:lnRef>
+          <a:fillRef idx="0">
+            <a:schemeClr val="accent1"/>
+          </a:fillRef>
+          <a:effectRef idx="0">
+            <a:schemeClr val="accent1"/>
+          </a:effectRef>
+          <a:fontRef idx="minor">
+            <a:schemeClr val="tx1"/>
+          </a:fontRef>
+        </p:style>
+      </p:cxnSp>
+      <p:sp>
+        <p:nvSpPr>
+          <p:cNvPr id="27" name="椭圆 26">
+            <a:extLst>
+              <a:ext uri="{FF2B5EF4-FFF2-40B4-BE49-F238E27FC236}">
+                <a16:creationId xmlns:a16="http://schemas.microsoft.com/office/drawing/2014/main" id="{1E36C3DE-11FF-139B-A041-139AAD13DF40}"/>
+              </a:ext>
+            </a:extLst>
+          </p:cNvPr>
+          <p:cNvSpPr/>
+          <p:nvPr/>
+        </p:nvSpPr>
+        <p:spPr>
+          <a:xfrm>
+            <a:off x="1335350" y="3066689"/>
+            <a:ext cx="724619" cy="724619"/>
+          </a:xfrm>
+          <a:prstGeom prst="ellipse">
+            <a:avLst/>
+          </a:prstGeom>
+          <a:solidFill>
+            <a:srgbClr val="0070C0"/>
+          </a:solidFill>
+          <a:ln>
+            <a:noFill/>
+          </a:ln>
+        </p:spPr>
+        <p:style>
+          <a:lnRef idx="2">
+            <a:schemeClr val="accent1">
+              <a:shade val="15000"/>
+            </a:schemeClr>
+          </a:lnRef>
+          <a:fillRef idx="1">
+            <a:schemeClr val="accent1"/>
+          </a:fillRef>
+          <a:effectRef idx="0">
+            <a:schemeClr val="accent1"/>
+          </a:effectRef>
+          <a:fontRef idx="minor">
+            <a:schemeClr val="lt1"/>
+          </a:fontRef>
+        </p:style>
+        <p:txBody>
+          <a:bodyPr rtlCol="0" anchor="ctr"/>
+          <a:lstStyle/>
+          <a:p>
+            <a:pPr algn="ctr"/>
+            <a:endParaRPr lang="zh-CN" altLang="en-US"/>
+          </a:p>
+        </p:txBody>
+      </p:sp>
+      <p:sp>
+        <p:nvSpPr>
+          <p:cNvPr id="15" name="椭圆 14">
+            <a:extLst>
+              <a:ext uri="{FF2B5EF4-FFF2-40B4-BE49-F238E27FC236}">
+                <a16:creationId xmlns:a16="http://schemas.microsoft.com/office/drawing/2014/main" id="{BAA34AE4-57AA-256D-2C9B-452EC8C34AE3}"/>
+              </a:ext>
+            </a:extLst>
+          </p:cNvPr>
+          <p:cNvSpPr/>
+          <p:nvPr/>
+        </p:nvSpPr>
+        <p:spPr>
+          <a:xfrm>
+            <a:off x="2765071" y="4502682"/>
+            <a:ext cx="724619" cy="724619"/>
+          </a:xfrm>
+          <a:prstGeom prst="ellipse">
+            <a:avLst/>
+          </a:prstGeom>
+          <a:solidFill>
+            <a:srgbClr val="0070C0"/>
+          </a:solidFill>
+          <a:ln>
+            <a:noFill/>
+          </a:ln>
+        </p:spPr>
+        <p:style>
+          <a:lnRef idx="2">
+            <a:schemeClr val="accent1">
+              <a:shade val="15000"/>
+            </a:schemeClr>
+          </a:lnRef>
+          <a:fillRef idx="1">
+            <a:schemeClr val="accent1"/>
+          </a:fillRef>
+          <a:effectRef idx="0">
+            <a:schemeClr val="accent1"/>
+          </a:effectRef>
+          <a:fontRef idx="minor">
+            <a:schemeClr val="lt1"/>
+          </a:fontRef>
+        </p:style>
+        <p:txBody>
+          <a:bodyPr rtlCol="0" anchor="ctr"/>
+          <a:lstStyle/>
+          <a:p>
+            <a:pPr algn="ctr"/>
+            <a:endParaRPr lang="zh-CN" altLang="en-US"/>
+          </a:p>
+        </p:txBody>
+      </p:sp>
+      <p:sp>
+        <p:nvSpPr>
+          <p:cNvPr id="18" name="椭圆 17">
+            <a:extLst>
+              <a:ext uri="{FF2B5EF4-FFF2-40B4-BE49-F238E27FC236}">
+                <a16:creationId xmlns:a16="http://schemas.microsoft.com/office/drawing/2014/main" id="{59520D1F-D228-F4FE-24A0-C9863FC427E4}"/>
+              </a:ext>
+            </a:extLst>
+          </p:cNvPr>
+          <p:cNvSpPr/>
+          <p:nvPr/>
+        </p:nvSpPr>
+        <p:spPr>
+          <a:xfrm>
+            <a:off x="4201064" y="4519934"/>
+            <a:ext cx="724619" cy="724619"/>
+          </a:xfrm>
+          <a:prstGeom prst="ellipse">
+            <a:avLst/>
+          </a:prstGeom>
+          <a:solidFill>
+            <a:srgbClr val="0070C0"/>
+          </a:solidFill>
+          <a:ln>
+            <a:noFill/>
+          </a:ln>
+        </p:spPr>
+        <p:style>
+          <a:lnRef idx="2">
+            <a:schemeClr val="accent1">
+              <a:shade val="15000"/>
+            </a:schemeClr>
+          </a:lnRef>
+          <a:fillRef idx="1">
+            <a:schemeClr val="accent1"/>
+          </a:fillRef>
+          <a:effectRef idx="0">
+            <a:schemeClr val="accent1"/>
+          </a:effectRef>
+          <a:fontRef idx="minor">
+            <a:schemeClr val="lt1"/>
+          </a:fontRef>
+        </p:style>
+        <p:txBody>
+          <a:bodyPr rtlCol="0" anchor="ctr"/>
+          <a:lstStyle/>
+          <a:p>
+            <a:pPr algn="ctr"/>
+            <a:endParaRPr lang="zh-CN" altLang="en-US"/>
+          </a:p>
+        </p:txBody>
+      </p:sp>
+      <p:sp>
+        <p:nvSpPr>
+          <p:cNvPr id="19" name="椭圆 18">
+            <a:extLst>
+              <a:ext uri="{FF2B5EF4-FFF2-40B4-BE49-F238E27FC236}">
+                <a16:creationId xmlns:a16="http://schemas.microsoft.com/office/drawing/2014/main" id="{2FEE8F41-4594-CE49-201A-4282B0B0A46B}"/>
+              </a:ext>
+            </a:extLst>
+          </p:cNvPr>
+          <p:cNvSpPr/>
+          <p:nvPr/>
+        </p:nvSpPr>
+        <p:spPr>
+          <a:xfrm>
+            <a:off x="5637057" y="4502681"/>
+            <a:ext cx="724619" cy="724619"/>
+          </a:xfrm>
+          <a:prstGeom prst="ellipse">
+            <a:avLst/>
+          </a:prstGeom>
+          <a:solidFill>
+            <a:srgbClr val="0070C0"/>
+          </a:solidFill>
+          <a:ln>
+            <a:noFill/>
+          </a:ln>
+        </p:spPr>
+        <p:style>
+          <a:lnRef idx="2">
+            <a:schemeClr val="accent1">
+              <a:shade val="15000"/>
+            </a:schemeClr>
+          </a:lnRef>
+          <a:fillRef idx="1">
+            <a:schemeClr val="accent1"/>
+          </a:fillRef>
+          <a:effectRef idx="0">
+            <a:schemeClr val="accent1"/>
+          </a:effectRef>
+          <a:fontRef idx="minor">
+            <a:schemeClr val="lt1"/>
+          </a:fontRef>
+        </p:style>
+        <p:txBody>
+          <a:bodyPr rtlCol="0" anchor="ctr"/>
+          <a:lstStyle/>
+          <a:p>
+            <a:pPr algn="ctr"/>
+            <a:endParaRPr lang="zh-CN" altLang="en-US"/>
+          </a:p>
+        </p:txBody>
+      </p:sp>
+    </p:spTree>
+    <p:extLst>
+      <p:ext uri="{BB962C8B-B14F-4D97-AF65-F5344CB8AC3E}">
+        <p14:creationId xmlns:p14="http://schemas.microsoft.com/office/powerpoint/2010/main" val="2311822697"/>
+      </p:ext>
+    </p:extLst>
+  </p:cSld>
+  <p:clrMapOvr>
+    <a:masterClrMapping/>
+  </p:clrMapOvr>
+</p:sld>
+</file>
+
+<file path=ppt/slides/slide5.xml><?xml version="1.0" encoding="utf-8"?>
+<p:sld xmlns:a="http://schemas.openxmlformats.org/drawingml/2006/main" xmlns:r="http://schemas.openxmlformats.org/officeDocument/2006/relationships" xmlns:p="http://schemas.openxmlformats.org/presentationml/2006/main">
+  <p:cSld>
+    <p:spTree>
+      <p:nvGrpSpPr>
+        <p:cNvPr id="1" name=""/>
+        <p:cNvGrpSpPr/>
+        <p:nvPr/>
+      </p:nvGrpSpPr>
+      <p:grpSpPr>
+        <a:xfrm>
+          <a:off x="0" y="0"/>
+          <a:ext cx="0" cy="0"/>
+          <a:chOff x="0" y="0"/>
+          <a:chExt cx="0" cy="0"/>
+        </a:xfrm>
+      </p:grpSpPr>
+      <p:cxnSp>
+        <p:nvCxnSpPr>
+          <p:cNvPr id="22" name="直接连接符 21">
+            <a:extLst>
+              <a:ext uri="{FF2B5EF4-FFF2-40B4-BE49-F238E27FC236}">
+                <a16:creationId xmlns:a16="http://schemas.microsoft.com/office/drawing/2014/main" id="{E8F55575-B944-27AD-3524-C888952DD790}"/>
+              </a:ext>
+            </a:extLst>
+          </p:cNvPr>
+          <p:cNvCxnSpPr>
+            <a:cxnSpLocks/>
+            <a:stCxn id="6" idx="6"/>
+            <a:endCxn id="7" idx="3"/>
+          </p:cNvCxnSpPr>
+          <p:nvPr/>
+        </p:nvCxnSpPr>
+        <p:spPr>
+          <a:xfrm flipV="1">
+            <a:off x="5292000" y="1667607"/>
+            <a:ext cx="687685" cy="500040"/>
+          </a:xfrm>
+          <a:prstGeom prst="line">
+            <a:avLst/>
+          </a:prstGeom>
+          <a:ln w="76200">
+            <a:solidFill>
+              <a:srgbClr val="00B050"/>
+            </a:solidFill>
+          </a:ln>
+        </p:spPr>
+        <p:style>
+          <a:lnRef idx="1">
+            <a:schemeClr val="accent1"/>
+          </a:lnRef>
+          <a:fillRef idx="0">
+            <a:schemeClr val="accent1"/>
+          </a:fillRef>
+          <a:effectRef idx="0">
+            <a:schemeClr val="accent1"/>
+          </a:effectRef>
+          <a:fontRef idx="minor">
+            <a:schemeClr val="tx1"/>
+          </a:fontRef>
+        </p:style>
+      </p:cxnSp>
+      <p:cxnSp>
+        <p:nvCxnSpPr>
+          <p:cNvPr id="16" name="直接连接符 15">
+            <a:extLst>
+              <a:ext uri="{FF2B5EF4-FFF2-40B4-BE49-F238E27FC236}">
+                <a16:creationId xmlns:a16="http://schemas.microsoft.com/office/drawing/2014/main" id="{860677E6-34F4-B1D0-9B49-0FA30BDF53A5}"/>
+              </a:ext>
+            </a:extLst>
+          </p:cNvPr>
+          <p:cNvCxnSpPr>
+            <a:cxnSpLocks/>
+            <a:endCxn id="32" idx="5"/>
+          </p:cNvCxnSpPr>
+          <p:nvPr/>
+        </p:nvCxnSpPr>
+        <p:spPr>
+          <a:xfrm flipH="1" flipV="1">
+            <a:off x="3515954" y="1563647"/>
+            <a:ext cx="395401" cy="629686"/>
+          </a:xfrm>
+          <a:prstGeom prst="line">
+            <a:avLst/>
+          </a:prstGeom>
+          <a:ln w="76200">
+            <a:solidFill>
+              <a:srgbClr val="00B050"/>
+            </a:solidFill>
+          </a:ln>
+        </p:spPr>
+        <p:style>
+          <a:lnRef idx="1">
+            <a:schemeClr val="accent1"/>
+          </a:lnRef>
+          <a:fillRef idx="0">
+            <a:schemeClr val="accent1"/>
+          </a:fillRef>
+          <a:effectRef idx="0">
+            <a:schemeClr val="accent1"/>
+          </a:effectRef>
+          <a:fontRef idx="minor">
+            <a:schemeClr val="tx1"/>
+          </a:fontRef>
+        </p:style>
+      </p:cxnSp>
+      <p:sp>
+        <p:nvSpPr>
+          <p:cNvPr id="4" name="椭圆 3">
+            <a:extLst>
+              <a:ext uri="{FF2B5EF4-FFF2-40B4-BE49-F238E27FC236}">
+                <a16:creationId xmlns:a16="http://schemas.microsoft.com/office/drawing/2014/main" id="{392DCB64-0DAC-9395-1955-FE91E332459C}"/>
+              </a:ext>
+            </a:extLst>
+          </p:cNvPr>
+          <p:cNvSpPr/>
+          <p:nvPr/>
+        </p:nvSpPr>
+        <p:spPr>
+          <a:xfrm>
+            <a:off x="1987735" y="3609254"/>
+            <a:ext cx="1440000" cy="1440000"/>
+          </a:xfrm>
+          <a:prstGeom prst="ellipse">
+            <a:avLst/>
+          </a:prstGeom>
+          <a:solidFill>
+            <a:srgbClr val="0070C0"/>
+          </a:solidFill>
+          <a:ln w="76200">
+            <a:noFill/>
+          </a:ln>
+        </p:spPr>
+        <p:style>
+          <a:lnRef idx="2">
+            <a:schemeClr val="accent1">
+              <a:shade val="15000"/>
+            </a:schemeClr>
+          </a:lnRef>
+          <a:fillRef idx="1">
+            <a:schemeClr val="accent1"/>
+          </a:fillRef>
+          <a:effectRef idx="0">
+            <a:schemeClr val="accent1"/>
+          </a:effectRef>
+          <a:fontRef idx="minor">
+            <a:schemeClr val="lt1"/>
+          </a:fontRef>
+        </p:style>
+        <p:txBody>
+          <a:bodyPr rtlCol="0" anchor="ctr"/>
+          <a:lstStyle/>
+          <a:p>
+            <a:pPr marL="0" marR="0" lvl="0" indent="0" algn="ctr" defTabSz="457200" rtl="0" eaLnBrk="1" fontAlgn="auto" latinLnBrk="0" hangingPunct="1">
+              <a:lnSpc>
+                <a:spcPct val="100000"/>
+              </a:lnSpc>
+              <a:spcBef>
+                <a:spcPts val="0"/>
+              </a:spcBef>
+              <a:spcAft>
+                <a:spcPts val="0"/>
+              </a:spcAft>
+              <a:buClrTx/>
+              <a:buSzTx/>
+              <a:buFontTx/>
+              <a:buNone/>
+              <a:tabLst/>
+              <a:defRPr/>
+            </a:pPr>
+            <a:endParaRPr kumimoji="0" lang="zh-CN" altLang="en-US" sz="1350" b="0" i="0" u="none" strike="noStrike" kern="1200" cap="none" spc="0" normalizeH="0" baseline="0" noProof="0">
+              <a:ln>
+                <a:noFill/>
+              </a:ln>
+              <a:solidFill>
+                <a:prstClr val="white"/>
+              </a:solidFill>
+              <a:effectLst/>
+              <a:uLnTx/>
+              <a:uFillTx/>
+              <a:latin typeface="Calibri" panose="020F0502020204030204"/>
+              <a:ea typeface="等线" panose="02010600030101010101" pitchFamily="2" charset="-122"/>
+              <a:cs typeface="+mn-cs"/>
+            </a:endParaRPr>
+          </a:p>
+        </p:txBody>
+      </p:sp>
+      <p:sp>
+        <p:nvSpPr>
+          <p:cNvPr id="6" name="椭圆 5">
+            <a:extLst>
+              <a:ext uri="{FF2B5EF4-FFF2-40B4-BE49-F238E27FC236}">
+                <a16:creationId xmlns:a16="http://schemas.microsoft.com/office/drawing/2014/main" id="{EE7A03E6-2BB4-515F-D57D-8963FCF3040C}"/>
+              </a:ext>
+            </a:extLst>
+          </p:cNvPr>
+          <p:cNvSpPr/>
+          <p:nvPr/>
+        </p:nvSpPr>
+        <p:spPr>
+          <a:xfrm>
+            <a:off x="3852000" y="1447647"/>
+            <a:ext cx="1440000" cy="1440000"/>
+          </a:xfrm>
+          <a:prstGeom prst="ellipse">
+            <a:avLst/>
+          </a:prstGeom>
+          <a:solidFill>
+            <a:srgbClr val="0070C0"/>
+          </a:solidFill>
+          <a:ln w="76200">
+            <a:noFill/>
+          </a:ln>
+        </p:spPr>
+        <p:style>
+          <a:lnRef idx="2">
+            <a:schemeClr val="accent1">
+              <a:shade val="15000"/>
+            </a:schemeClr>
+          </a:lnRef>
+          <a:fillRef idx="1">
+            <a:schemeClr val="accent1"/>
+          </a:fillRef>
+          <a:effectRef idx="0">
+            <a:schemeClr val="accent1"/>
+          </a:effectRef>
+          <a:fontRef idx="minor">
+            <a:schemeClr val="lt1"/>
+          </a:fontRef>
+        </p:style>
+        <p:txBody>
+          <a:bodyPr rtlCol="0" anchor="ctr"/>
+          <a:lstStyle/>
+          <a:p>
+            <a:pPr marL="0" marR="0" lvl="0" indent="0" algn="ctr" defTabSz="457200" rtl="0" eaLnBrk="1" fontAlgn="auto" latinLnBrk="0" hangingPunct="1">
+              <a:lnSpc>
+                <a:spcPct val="100000"/>
+              </a:lnSpc>
+              <a:spcBef>
+                <a:spcPts val="0"/>
+              </a:spcBef>
+              <a:spcAft>
+                <a:spcPts val="0"/>
+              </a:spcAft>
+              <a:buClrTx/>
+              <a:buSzTx/>
+              <a:buFontTx/>
+              <a:buNone/>
+              <a:tabLst/>
+              <a:defRPr/>
+            </a:pPr>
+            <a:endParaRPr kumimoji="0" lang="zh-CN" altLang="en-US" sz="1350" b="0" i="0" u="none" strike="noStrike" kern="1200" cap="none" spc="0" normalizeH="0" baseline="0" noProof="0">
+              <a:ln>
+                <a:noFill/>
+              </a:ln>
+              <a:solidFill>
+                <a:prstClr val="white"/>
+              </a:solidFill>
+              <a:effectLst/>
+              <a:uLnTx/>
+              <a:uFillTx/>
+              <a:latin typeface="Calibri" panose="020F0502020204030204"/>
+              <a:ea typeface="等线" panose="02010600030101010101" pitchFamily="2" charset="-122"/>
+              <a:cs typeface="+mn-cs"/>
+            </a:endParaRPr>
+          </a:p>
+        </p:txBody>
+      </p:sp>
+      <p:sp>
+        <p:nvSpPr>
+          <p:cNvPr id="9" name="文本框 8">
+            <a:extLst>
+              <a:ext uri="{FF2B5EF4-FFF2-40B4-BE49-F238E27FC236}">
+                <a16:creationId xmlns:a16="http://schemas.microsoft.com/office/drawing/2014/main" id="{53EDB603-2015-D76F-4C25-765F17337616}"/>
+              </a:ext>
+            </a:extLst>
+          </p:cNvPr>
+          <p:cNvSpPr txBox="1"/>
+          <p:nvPr/>
+        </p:nvSpPr>
+        <p:spPr>
+          <a:xfrm>
+            <a:off x="2409753" y="3782731"/>
+            <a:ext cx="342632" cy="1015663"/>
+          </a:xfrm>
+          <a:prstGeom prst="rect">
+            <a:avLst/>
+          </a:prstGeom>
+          <a:noFill/>
+        </p:spPr>
+        <p:txBody>
+          <a:bodyPr wrap="square" rtlCol="0">
+            <a:spAutoFit/>
+          </a:bodyPr>
+          <a:lstStyle/>
+          <a:p>
+            <a:pPr marL="0" marR="0" lvl="0" indent="0" algn="l" defTabSz="457200" rtl="0" eaLnBrk="1" fontAlgn="auto" latinLnBrk="0" hangingPunct="1">
+              <a:lnSpc>
+                <a:spcPct val="100000"/>
+              </a:lnSpc>
+              <a:spcBef>
+                <a:spcPts val="0"/>
+              </a:spcBef>
+              <a:spcAft>
+                <a:spcPts val="0"/>
+              </a:spcAft>
+              <a:buClrTx/>
+              <a:buSzTx/>
+              <a:buFontTx/>
+              <a:buNone/>
+              <a:tabLst/>
+              <a:defRPr/>
+            </a:pPr>
+            <a:r>
+              <a:rPr kumimoji="0" lang="en-US" altLang="zh-CN" sz="6000" b="0" i="0" u="none" strike="noStrike" kern="1200" cap="none" spc="0" normalizeH="0" baseline="0" noProof="0">
+                <a:ln>
+                  <a:noFill/>
+                </a:ln>
+                <a:solidFill>
+                  <a:prstClr val="black"/>
+                </a:solidFill>
+                <a:effectLst/>
+                <a:uLnTx/>
+                <a:uFillTx/>
+                <a:latin typeface="黑体" panose="02010609060101010101" pitchFamily="49" charset="-122"/>
+                <a:ea typeface="黑体" panose="02010609060101010101" pitchFamily="49" charset="-122"/>
+                <a:cs typeface="+mn-cs"/>
+              </a:rPr>
+              <a:t>1</a:t>
+            </a:r>
+            <a:endParaRPr kumimoji="0" lang="zh-CN" altLang="en-US" sz="6000" b="0" i="0" u="none" strike="noStrike" kern="1200" cap="none" spc="0" normalizeH="0" baseline="0" noProof="0">
+              <a:ln>
+                <a:noFill/>
+              </a:ln>
+              <a:solidFill>
+                <a:prstClr val="black"/>
+              </a:solidFill>
+              <a:effectLst/>
+              <a:uLnTx/>
+              <a:uFillTx/>
+              <a:latin typeface="黑体" panose="02010609060101010101" pitchFamily="49" charset="-122"/>
+              <a:ea typeface="黑体" panose="02010609060101010101" pitchFamily="49" charset="-122"/>
+              <a:cs typeface="+mn-cs"/>
+            </a:endParaRPr>
+          </a:p>
+        </p:txBody>
+      </p:sp>
+      <p:cxnSp>
+        <p:nvCxnSpPr>
+          <p:cNvPr id="13" name="直接连接符 12">
+            <a:extLst>
+              <a:ext uri="{FF2B5EF4-FFF2-40B4-BE49-F238E27FC236}">
+                <a16:creationId xmlns:a16="http://schemas.microsoft.com/office/drawing/2014/main" id="{CC1CD615-5A13-267D-AC5A-EEDB0C2E3FA3}"/>
+              </a:ext>
+            </a:extLst>
+          </p:cNvPr>
+          <p:cNvCxnSpPr>
+            <a:cxnSpLocks/>
+            <a:stCxn id="4" idx="7"/>
+            <a:endCxn id="6" idx="3"/>
+          </p:cNvCxnSpPr>
+          <p:nvPr/>
+        </p:nvCxnSpPr>
+        <p:spPr>
+          <a:xfrm flipV="1">
+            <a:off x="3216852" y="2676764"/>
+            <a:ext cx="846031" cy="1143373"/>
+          </a:xfrm>
+          <a:prstGeom prst="line">
+            <a:avLst/>
+          </a:prstGeom>
+          <a:ln w="76200">
+            <a:solidFill>
+              <a:srgbClr val="00B050"/>
+            </a:solidFill>
+          </a:ln>
+        </p:spPr>
+        <p:style>
+          <a:lnRef idx="1">
+            <a:schemeClr val="accent1"/>
+          </a:lnRef>
+          <a:fillRef idx="0">
+            <a:schemeClr val="accent1"/>
+          </a:fillRef>
+          <a:effectRef idx="0">
+            <a:schemeClr val="accent1"/>
+          </a:effectRef>
+          <a:fontRef idx="minor">
+            <a:schemeClr val="tx1"/>
+          </a:fontRef>
+        </p:style>
+      </p:cxnSp>
+      <p:cxnSp>
+        <p:nvCxnSpPr>
+          <p:cNvPr id="15" name="直接连接符 14">
+            <a:extLst>
+              <a:ext uri="{FF2B5EF4-FFF2-40B4-BE49-F238E27FC236}">
+                <a16:creationId xmlns:a16="http://schemas.microsoft.com/office/drawing/2014/main" id="{D9FD08AF-2561-E19A-6BAA-CAF355C0B8FF}"/>
+              </a:ext>
+            </a:extLst>
+          </p:cNvPr>
+          <p:cNvCxnSpPr>
+            <a:cxnSpLocks/>
+            <a:stCxn id="4" idx="6"/>
+            <a:endCxn id="11" idx="2"/>
+          </p:cNvCxnSpPr>
+          <p:nvPr/>
+        </p:nvCxnSpPr>
+        <p:spPr>
+          <a:xfrm>
+            <a:off x="3427735" y="4329254"/>
+            <a:ext cx="2787291" cy="1022540"/>
+          </a:xfrm>
+          <a:prstGeom prst="line">
+            <a:avLst/>
+          </a:prstGeom>
+          <a:ln w="76200">
+            <a:solidFill>
+              <a:srgbClr val="00B050"/>
+            </a:solidFill>
+          </a:ln>
+        </p:spPr>
+        <p:style>
+          <a:lnRef idx="1">
+            <a:schemeClr val="accent1"/>
+          </a:lnRef>
+          <a:fillRef idx="0">
+            <a:schemeClr val="accent1"/>
+          </a:fillRef>
+          <a:effectRef idx="0">
+            <a:schemeClr val="accent1"/>
+          </a:effectRef>
+          <a:fontRef idx="minor">
+            <a:schemeClr val="tx1"/>
+          </a:fontRef>
+        </p:style>
+      </p:cxnSp>
+      <p:sp>
+        <p:nvSpPr>
+          <p:cNvPr id="24" name="文本框 23">
+            <a:extLst>
+              <a:ext uri="{FF2B5EF4-FFF2-40B4-BE49-F238E27FC236}">
+                <a16:creationId xmlns:a16="http://schemas.microsoft.com/office/drawing/2014/main" id="{47A15C36-61CD-2CC4-CBC8-CEC81EE83088}"/>
+              </a:ext>
+            </a:extLst>
+          </p:cNvPr>
+          <p:cNvSpPr txBox="1"/>
+          <p:nvPr/>
+        </p:nvSpPr>
+        <p:spPr>
+          <a:xfrm>
+            <a:off x="4306755" y="1564925"/>
+            <a:ext cx="530489" cy="1015663"/>
+          </a:xfrm>
+          <a:prstGeom prst="rect">
+            <a:avLst/>
+          </a:prstGeom>
+          <a:noFill/>
+        </p:spPr>
+        <p:txBody>
+          <a:bodyPr wrap="square" rtlCol="0">
+            <a:spAutoFit/>
+          </a:bodyPr>
+          <a:lstStyle/>
+          <a:p>
+            <a:pPr marL="0" marR="0" lvl="0" indent="0" algn="l" defTabSz="457200" rtl="0" eaLnBrk="1" fontAlgn="auto" latinLnBrk="0" hangingPunct="1">
+              <a:lnSpc>
+                <a:spcPct val="100000"/>
+              </a:lnSpc>
+              <a:spcBef>
+                <a:spcPts val="0"/>
+              </a:spcBef>
+              <a:spcAft>
+                <a:spcPts val="0"/>
+              </a:spcAft>
+              <a:buClrTx/>
+              <a:buSzTx/>
+              <a:buFontTx/>
+              <a:buNone/>
+              <a:tabLst/>
+              <a:defRPr/>
+            </a:pPr>
+            <a:r>
+              <a:rPr kumimoji="0" lang="en-US" altLang="zh-CN" sz="6000" b="0" i="0" u="none" strike="noStrike" kern="1200" cap="none" spc="0" normalizeH="0" baseline="0" noProof="0">
+                <a:ln>
+                  <a:noFill/>
+                </a:ln>
+                <a:solidFill>
+                  <a:prstClr val="black"/>
+                </a:solidFill>
+                <a:effectLst/>
+                <a:uLnTx/>
+                <a:uFillTx/>
+                <a:latin typeface="黑体" panose="02010609060101010101" pitchFamily="49" charset="-122"/>
+                <a:ea typeface="黑体" panose="02010609060101010101" pitchFamily="49" charset="-122"/>
+                <a:cs typeface="+mn-cs"/>
+              </a:rPr>
+              <a:t>2</a:t>
+            </a:r>
+            <a:endParaRPr kumimoji="0" lang="zh-CN" altLang="en-US" sz="6000" b="0" i="0" u="none" strike="noStrike" kern="1200" cap="none" spc="0" normalizeH="0" baseline="0" noProof="0">
+              <a:ln>
+                <a:noFill/>
+              </a:ln>
+              <a:solidFill>
+                <a:prstClr val="black"/>
+              </a:solidFill>
+              <a:effectLst/>
+              <a:uLnTx/>
+              <a:uFillTx/>
+              <a:latin typeface="黑体" panose="02010609060101010101" pitchFamily="49" charset="-122"/>
+              <a:ea typeface="黑体" panose="02010609060101010101" pitchFamily="49" charset="-122"/>
+              <a:cs typeface="+mn-cs"/>
+            </a:endParaRPr>
+          </a:p>
+        </p:txBody>
+      </p:sp>
+      <p:grpSp>
+        <p:nvGrpSpPr>
+          <p:cNvPr id="2" name="组合 1">
+            <a:extLst>
+              <a:ext uri="{FF2B5EF4-FFF2-40B4-BE49-F238E27FC236}">
+                <a16:creationId xmlns:a16="http://schemas.microsoft.com/office/drawing/2014/main" id="{9BBEC0CC-ED08-8908-0EDA-A0FDD7AAECA4}"/>
+              </a:ext>
+            </a:extLst>
+          </p:cNvPr>
+          <p:cNvGrpSpPr/>
+          <p:nvPr/>
+        </p:nvGrpSpPr>
+        <p:grpSpPr>
+          <a:xfrm>
+            <a:off x="2286837" y="334530"/>
+            <a:ext cx="1440000" cy="1440000"/>
+            <a:chOff x="5073169" y="4078394"/>
+            <a:chExt cx="1440000" cy="1440000"/>
+          </a:xfrm>
+        </p:grpSpPr>
+        <p:sp>
+          <p:nvSpPr>
+            <p:cNvPr id="32" name="椭圆 31">
+              <a:extLst>
+                <a:ext uri="{FF2B5EF4-FFF2-40B4-BE49-F238E27FC236}">
+                  <a16:creationId xmlns:a16="http://schemas.microsoft.com/office/drawing/2014/main" id="{030CB3AE-BAB7-46EB-5C71-93DB9D6A8B1B}"/>
+                </a:ext>
+              </a:extLst>
+            </p:cNvPr>
+            <p:cNvSpPr/>
+            <p:nvPr/>
+          </p:nvSpPr>
+          <p:spPr>
+            <a:xfrm>
+              <a:off x="5073169" y="4078394"/>
+              <a:ext cx="1440000" cy="1440000"/>
+            </a:xfrm>
+            <a:prstGeom prst="ellipse">
+              <a:avLst/>
+            </a:prstGeom>
+            <a:solidFill>
+              <a:srgbClr val="0070C0"/>
+            </a:solidFill>
+            <a:ln w="76200">
+              <a:noFill/>
+            </a:ln>
+          </p:spPr>
+          <p:style>
+            <a:lnRef idx="2">
+              <a:schemeClr val="accent1">
+                <a:shade val="15000"/>
+              </a:schemeClr>
+            </a:lnRef>
+            <a:fillRef idx="1">
+              <a:schemeClr val="accent1"/>
+            </a:fillRef>
+            <a:effectRef idx="0">
+              <a:schemeClr val="accent1"/>
+            </a:effectRef>
+            <a:fontRef idx="minor">
+              <a:schemeClr val="lt1"/>
+            </a:fontRef>
+          </p:style>
+          <p:txBody>
+            <a:bodyPr rtlCol="0" anchor="ctr"/>
+            <a:lstStyle/>
+            <a:p>
+              <a:pPr marL="0" marR="0" lvl="0" indent="0" algn="ctr" defTabSz="457200" rtl="0" eaLnBrk="1" fontAlgn="auto" latinLnBrk="0" hangingPunct="1">
+                <a:lnSpc>
+                  <a:spcPct val="100000"/>
+                </a:lnSpc>
+                <a:spcBef>
+                  <a:spcPts val="0"/>
+                </a:spcBef>
+                <a:spcAft>
+                  <a:spcPts val="0"/>
+                </a:spcAft>
+                <a:buClrTx/>
+                <a:buSzTx/>
+                <a:buFontTx/>
+                <a:buNone/>
+                <a:tabLst/>
+                <a:defRPr/>
+              </a:pPr>
+              <a:endParaRPr kumimoji="0" lang="zh-CN" altLang="en-US" sz="1350" b="0" i="0" u="none" strike="noStrike" kern="1200" cap="none" spc="0" normalizeH="0" baseline="0" noProof="0">
+                <a:ln>
+                  <a:noFill/>
+                </a:ln>
+                <a:solidFill>
+                  <a:prstClr val="white"/>
+                </a:solidFill>
+                <a:effectLst/>
+                <a:uLnTx/>
+                <a:uFillTx/>
+                <a:latin typeface="Calibri" panose="020F0502020204030204"/>
+                <a:ea typeface="等线" panose="02010600030101010101" pitchFamily="2" charset="-122"/>
+                <a:cs typeface="+mn-cs"/>
+              </a:endParaRPr>
+            </a:p>
+          </p:txBody>
+        </p:sp>
+        <p:sp>
+          <p:nvSpPr>
+            <p:cNvPr id="34" name="文本框 33">
+              <a:extLst>
+                <a:ext uri="{FF2B5EF4-FFF2-40B4-BE49-F238E27FC236}">
+                  <a16:creationId xmlns:a16="http://schemas.microsoft.com/office/drawing/2014/main" id="{DD8103B7-EB96-9F9C-06C1-BD7D036F39F9}"/>
+                </a:ext>
+              </a:extLst>
+            </p:cNvPr>
+            <p:cNvSpPr txBox="1"/>
+            <p:nvPr/>
+          </p:nvSpPr>
+          <p:spPr>
+            <a:xfrm>
+              <a:off x="5519393" y="4217110"/>
+              <a:ext cx="547552" cy="1015663"/>
+            </a:xfrm>
+            <a:prstGeom prst="rect">
+              <a:avLst/>
+            </a:prstGeom>
+            <a:noFill/>
+          </p:spPr>
+          <p:txBody>
+            <a:bodyPr wrap="square" rtlCol="0">
+              <a:spAutoFit/>
+            </a:bodyPr>
+            <a:lstStyle/>
+            <a:p>
+              <a:pPr marL="0" marR="0" lvl="0" indent="0" algn="l" defTabSz="457200" rtl="0" eaLnBrk="1" fontAlgn="auto" latinLnBrk="0" hangingPunct="1">
+                <a:lnSpc>
+                  <a:spcPct val="100000"/>
+                </a:lnSpc>
+                <a:spcBef>
+                  <a:spcPts val="0"/>
+                </a:spcBef>
+                <a:spcAft>
+                  <a:spcPts val="0"/>
+                </a:spcAft>
+                <a:buClrTx/>
+                <a:buSzTx/>
+                <a:buFontTx/>
+                <a:buNone/>
+                <a:tabLst/>
+                <a:defRPr/>
+              </a:pPr>
+              <a:r>
+                <a:rPr kumimoji="0" lang="en-US" altLang="zh-CN" sz="6000" b="0" i="0" u="none" strike="noStrike" kern="1200" cap="none" spc="0" normalizeH="0" baseline="0" noProof="0">
+                  <a:ln>
+                    <a:noFill/>
+                  </a:ln>
+                  <a:solidFill>
+                    <a:prstClr val="black"/>
+                  </a:solidFill>
+                  <a:effectLst/>
+                  <a:uLnTx/>
+                  <a:uFillTx/>
+                  <a:latin typeface="黑体" panose="02010609060101010101" pitchFamily="49" charset="-122"/>
+                  <a:ea typeface="黑体" panose="02010609060101010101" pitchFamily="49" charset="-122"/>
+                  <a:cs typeface="+mn-cs"/>
+                </a:rPr>
+                <a:t>3</a:t>
+              </a:r>
+              <a:endParaRPr kumimoji="0" lang="zh-CN" altLang="en-US" sz="6000" b="0" i="0" u="none" strike="noStrike" kern="1200" cap="none" spc="0" normalizeH="0" baseline="0" noProof="0">
+                <a:ln>
+                  <a:noFill/>
+                </a:ln>
+                <a:solidFill>
+                  <a:prstClr val="black"/>
+                </a:solidFill>
+                <a:effectLst/>
+                <a:uLnTx/>
+                <a:uFillTx/>
+                <a:latin typeface="黑体" panose="02010609060101010101" pitchFamily="49" charset="-122"/>
+                <a:ea typeface="黑体" panose="02010609060101010101" pitchFamily="49" charset="-122"/>
+                <a:cs typeface="+mn-cs"/>
+              </a:endParaRPr>
+            </a:p>
+          </p:txBody>
+        </p:sp>
+      </p:grpSp>
+      <p:grpSp>
+        <p:nvGrpSpPr>
+          <p:cNvPr id="5" name="组合 4">
+            <a:extLst>
+              <a:ext uri="{FF2B5EF4-FFF2-40B4-BE49-F238E27FC236}">
+                <a16:creationId xmlns:a16="http://schemas.microsoft.com/office/drawing/2014/main" id="{D9495CA8-39F0-7415-ECCF-0E198D9E22DD}"/>
+              </a:ext>
+            </a:extLst>
+          </p:cNvPr>
+          <p:cNvGrpSpPr/>
+          <p:nvPr/>
+        </p:nvGrpSpPr>
+        <p:grpSpPr>
+          <a:xfrm>
+            <a:off x="5768802" y="438490"/>
+            <a:ext cx="1440000" cy="1440000"/>
+            <a:chOff x="5073169" y="4078394"/>
+            <a:chExt cx="1440000" cy="1440000"/>
+          </a:xfrm>
+        </p:grpSpPr>
+        <p:sp>
+          <p:nvSpPr>
+            <p:cNvPr id="7" name="椭圆 6">
+              <a:extLst>
+                <a:ext uri="{FF2B5EF4-FFF2-40B4-BE49-F238E27FC236}">
+                  <a16:creationId xmlns:a16="http://schemas.microsoft.com/office/drawing/2014/main" id="{485C6F0A-38E4-C173-1F27-5FFF052B595C}"/>
+                </a:ext>
+              </a:extLst>
+            </p:cNvPr>
+            <p:cNvSpPr/>
+            <p:nvPr/>
+          </p:nvSpPr>
+          <p:spPr>
+            <a:xfrm>
+              <a:off x="5073169" y="4078394"/>
+              <a:ext cx="1440000" cy="1440000"/>
+            </a:xfrm>
+            <a:prstGeom prst="ellipse">
+              <a:avLst/>
+            </a:prstGeom>
+            <a:solidFill>
+              <a:srgbClr val="0070C0"/>
+            </a:solidFill>
+            <a:ln w="76200">
+              <a:noFill/>
+            </a:ln>
+          </p:spPr>
+          <p:style>
+            <a:lnRef idx="2">
+              <a:schemeClr val="accent1">
+                <a:shade val="15000"/>
+              </a:schemeClr>
+            </a:lnRef>
+            <a:fillRef idx="1">
+              <a:schemeClr val="accent1"/>
+            </a:fillRef>
+            <a:effectRef idx="0">
+              <a:schemeClr val="accent1"/>
+            </a:effectRef>
+            <a:fontRef idx="minor">
+              <a:schemeClr val="lt1"/>
+            </a:fontRef>
+          </p:style>
+          <p:txBody>
+            <a:bodyPr rtlCol="0" anchor="ctr"/>
+            <a:lstStyle/>
+            <a:p>
+              <a:pPr marL="0" marR="0" lvl="0" indent="0" algn="ctr" defTabSz="457200" rtl="0" eaLnBrk="1" fontAlgn="auto" latinLnBrk="0" hangingPunct="1">
+                <a:lnSpc>
+                  <a:spcPct val="100000"/>
+                </a:lnSpc>
+                <a:spcBef>
+                  <a:spcPts val="0"/>
+                </a:spcBef>
+                <a:spcAft>
+                  <a:spcPts val="0"/>
+                </a:spcAft>
+                <a:buClrTx/>
+                <a:buSzTx/>
+                <a:buFontTx/>
+                <a:buNone/>
+                <a:tabLst/>
+                <a:defRPr/>
+              </a:pPr>
+              <a:endParaRPr kumimoji="0" lang="zh-CN" altLang="en-US" sz="1350" b="0" i="0" u="none" strike="noStrike" kern="1200" cap="none" spc="0" normalizeH="0" baseline="0" noProof="0">
+                <a:ln>
+                  <a:noFill/>
+                </a:ln>
+                <a:solidFill>
+                  <a:prstClr val="white"/>
+                </a:solidFill>
+                <a:effectLst/>
+                <a:uLnTx/>
+                <a:uFillTx/>
+                <a:latin typeface="Calibri" panose="020F0502020204030204"/>
+                <a:ea typeface="等线" panose="02010600030101010101" pitchFamily="2" charset="-122"/>
+                <a:cs typeface="+mn-cs"/>
+              </a:endParaRPr>
+            </a:p>
+          </p:txBody>
+        </p:sp>
+        <p:sp>
+          <p:nvSpPr>
+            <p:cNvPr id="8" name="文本框 7">
+              <a:extLst>
+                <a:ext uri="{FF2B5EF4-FFF2-40B4-BE49-F238E27FC236}">
+                  <a16:creationId xmlns:a16="http://schemas.microsoft.com/office/drawing/2014/main" id="{C2D8C163-1A65-0CB4-7737-2960DE12E0F8}"/>
+                </a:ext>
+              </a:extLst>
+            </p:cNvPr>
+            <p:cNvSpPr txBox="1"/>
+            <p:nvPr/>
+          </p:nvSpPr>
+          <p:spPr>
+            <a:xfrm>
+              <a:off x="5519393" y="4217110"/>
+              <a:ext cx="547552" cy="1015663"/>
+            </a:xfrm>
+            <a:prstGeom prst="rect">
+              <a:avLst/>
+            </a:prstGeom>
+            <a:noFill/>
+          </p:spPr>
+          <p:txBody>
+            <a:bodyPr wrap="square" rtlCol="0">
+              <a:spAutoFit/>
+            </a:bodyPr>
+            <a:lstStyle/>
+            <a:p>
+              <a:pPr marL="0" marR="0" lvl="0" indent="0" algn="l" defTabSz="457200" rtl="0" eaLnBrk="1" fontAlgn="auto" latinLnBrk="0" hangingPunct="1">
+                <a:lnSpc>
+                  <a:spcPct val="100000"/>
+                </a:lnSpc>
+                <a:spcBef>
+                  <a:spcPts val="0"/>
+                </a:spcBef>
+                <a:spcAft>
+                  <a:spcPts val="0"/>
+                </a:spcAft>
+                <a:buClrTx/>
+                <a:buSzTx/>
+                <a:buFontTx/>
+                <a:buNone/>
+                <a:tabLst/>
+                <a:defRPr/>
+              </a:pPr>
+              <a:r>
+                <a:rPr lang="en-US" altLang="zh-CN" sz="6000">
+                  <a:solidFill>
+                    <a:prstClr val="black"/>
+                  </a:solidFill>
+                  <a:latin typeface="黑体" panose="02010609060101010101" pitchFamily="49" charset="-122"/>
+                  <a:ea typeface="黑体" panose="02010609060101010101" pitchFamily="49" charset="-122"/>
+                </a:rPr>
+                <a:t>4</a:t>
+              </a:r>
+              <a:endParaRPr kumimoji="0" lang="zh-CN" altLang="en-US" sz="6000" b="0" i="0" u="none" strike="noStrike" kern="1200" cap="none" spc="0" normalizeH="0" baseline="0" noProof="0">
+                <a:ln>
+                  <a:noFill/>
+                </a:ln>
+                <a:solidFill>
+                  <a:prstClr val="black"/>
+                </a:solidFill>
+                <a:effectLst/>
+                <a:uLnTx/>
+                <a:uFillTx/>
+                <a:latin typeface="黑体" panose="02010609060101010101" pitchFamily="49" charset="-122"/>
+                <a:ea typeface="黑体" panose="02010609060101010101" pitchFamily="49" charset="-122"/>
+                <a:cs typeface="+mn-cs"/>
+              </a:endParaRPr>
+            </a:p>
+          </p:txBody>
+        </p:sp>
+      </p:grpSp>
+      <p:grpSp>
+        <p:nvGrpSpPr>
+          <p:cNvPr id="10" name="组合 9">
+            <a:extLst>
+              <a:ext uri="{FF2B5EF4-FFF2-40B4-BE49-F238E27FC236}">
+                <a16:creationId xmlns:a16="http://schemas.microsoft.com/office/drawing/2014/main" id="{BBB2E573-695B-8A56-E7EA-7735DFC0CCF9}"/>
+              </a:ext>
+            </a:extLst>
+          </p:cNvPr>
+          <p:cNvGrpSpPr/>
+          <p:nvPr/>
+        </p:nvGrpSpPr>
+        <p:grpSpPr>
+          <a:xfrm>
+            <a:off x="6215026" y="4631794"/>
+            <a:ext cx="1440000" cy="1440000"/>
+            <a:chOff x="5073169" y="4078394"/>
+            <a:chExt cx="1440000" cy="1440000"/>
+          </a:xfrm>
+        </p:grpSpPr>
+        <p:sp>
+          <p:nvSpPr>
+            <p:cNvPr id="11" name="椭圆 10">
+              <a:extLst>
+                <a:ext uri="{FF2B5EF4-FFF2-40B4-BE49-F238E27FC236}">
+                  <a16:creationId xmlns:a16="http://schemas.microsoft.com/office/drawing/2014/main" id="{99A03063-158F-C30F-9F16-549244CC87A7}"/>
+                </a:ext>
+              </a:extLst>
+            </p:cNvPr>
+            <p:cNvSpPr/>
+            <p:nvPr/>
+          </p:nvSpPr>
+          <p:spPr>
+            <a:xfrm>
+              <a:off x="5073169" y="4078394"/>
+              <a:ext cx="1440000" cy="1440000"/>
+            </a:xfrm>
+            <a:prstGeom prst="ellipse">
+              <a:avLst/>
+            </a:prstGeom>
+            <a:solidFill>
+              <a:srgbClr val="0070C0"/>
+            </a:solidFill>
+            <a:ln w="76200">
+              <a:noFill/>
+            </a:ln>
+          </p:spPr>
+          <p:style>
+            <a:lnRef idx="2">
+              <a:schemeClr val="accent1">
+                <a:shade val="15000"/>
+              </a:schemeClr>
+            </a:lnRef>
+            <a:fillRef idx="1">
+              <a:schemeClr val="accent1"/>
+            </a:fillRef>
+            <a:effectRef idx="0">
+              <a:schemeClr val="accent1"/>
+            </a:effectRef>
+            <a:fontRef idx="minor">
+              <a:schemeClr val="lt1"/>
+            </a:fontRef>
+          </p:style>
+          <p:txBody>
+            <a:bodyPr rtlCol="0" anchor="ctr"/>
+            <a:lstStyle/>
+            <a:p>
+              <a:pPr marL="0" marR="0" lvl="0" indent="0" algn="ctr" defTabSz="457200" rtl="0" eaLnBrk="1" fontAlgn="auto" latinLnBrk="0" hangingPunct="1">
+                <a:lnSpc>
+                  <a:spcPct val="100000"/>
+                </a:lnSpc>
+                <a:spcBef>
+                  <a:spcPts val="0"/>
+                </a:spcBef>
+                <a:spcAft>
+                  <a:spcPts val="0"/>
+                </a:spcAft>
+                <a:buClrTx/>
+                <a:buSzTx/>
+                <a:buFontTx/>
+                <a:buNone/>
+                <a:tabLst/>
+                <a:defRPr/>
+              </a:pPr>
+              <a:endParaRPr kumimoji="0" lang="zh-CN" altLang="en-US" sz="1350" b="0" i="0" u="none" strike="noStrike" kern="1200" cap="none" spc="0" normalizeH="0" baseline="0" noProof="0">
+                <a:ln>
+                  <a:noFill/>
+                </a:ln>
+                <a:solidFill>
+                  <a:prstClr val="white"/>
+                </a:solidFill>
+                <a:effectLst/>
+                <a:uLnTx/>
+                <a:uFillTx/>
+                <a:latin typeface="Calibri" panose="020F0502020204030204"/>
+                <a:ea typeface="等线" panose="02010600030101010101" pitchFamily="2" charset="-122"/>
+                <a:cs typeface="+mn-cs"/>
+              </a:endParaRPr>
+            </a:p>
+          </p:txBody>
+        </p:sp>
+        <p:sp>
+          <p:nvSpPr>
+            <p:cNvPr id="12" name="文本框 11">
+              <a:extLst>
+                <a:ext uri="{FF2B5EF4-FFF2-40B4-BE49-F238E27FC236}">
+                  <a16:creationId xmlns:a16="http://schemas.microsoft.com/office/drawing/2014/main" id="{093C4E30-21C7-2DF4-A6F5-3F59D0E52D65}"/>
+                </a:ext>
+              </a:extLst>
+            </p:cNvPr>
+            <p:cNvSpPr txBox="1"/>
+            <p:nvPr/>
+          </p:nvSpPr>
+          <p:spPr>
+            <a:xfrm>
+              <a:off x="5519393" y="4217110"/>
+              <a:ext cx="547552" cy="1015663"/>
+            </a:xfrm>
+            <a:prstGeom prst="rect">
+              <a:avLst/>
+            </a:prstGeom>
+            <a:noFill/>
+          </p:spPr>
+          <p:txBody>
+            <a:bodyPr wrap="square" rtlCol="0">
+              <a:spAutoFit/>
+            </a:bodyPr>
+            <a:lstStyle/>
+            <a:p>
+              <a:pPr marL="0" marR="0" lvl="0" indent="0" algn="l" defTabSz="457200" rtl="0" eaLnBrk="1" fontAlgn="auto" latinLnBrk="0" hangingPunct="1">
+                <a:lnSpc>
+                  <a:spcPct val="100000"/>
+                </a:lnSpc>
+                <a:spcBef>
+                  <a:spcPts val="0"/>
+                </a:spcBef>
+                <a:spcAft>
+                  <a:spcPts val="0"/>
+                </a:spcAft>
+                <a:buClrTx/>
+                <a:buSzTx/>
+                <a:buFontTx/>
+                <a:buNone/>
+                <a:tabLst/>
+                <a:defRPr/>
+              </a:pPr>
+              <a:r>
+                <a:rPr kumimoji="0" lang="en-US" altLang="zh-CN" sz="6000" b="0" i="0" u="none" strike="noStrike" kern="1200" cap="none" spc="0" normalizeH="0" baseline="0" noProof="0">
+                  <a:ln>
+                    <a:noFill/>
+                  </a:ln>
+                  <a:solidFill>
+                    <a:prstClr val="black"/>
+                  </a:solidFill>
+                  <a:effectLst/>
+                  <a:uLnTx/>
+                  <a:uFillTx/>
+                  <a:latin typeface="黑体" panose="02010609060101010101" pitchFamily="49" charset="-122"/>
+                  <a:ea typeface="黑体" panose="02010609060101010101" pitchFamily="49" charset="-122"/>
+                  <a:cs typeface="+mn-cs"/>
+                </a:rPr>
+                <a:t>5</a:t>
+              </a:r>
+              <a:endParaRPr kumimoji="0" lang="zh-CN" altLang="en-US" sz="6000" b="0" i="0" u="none" strike="noStrike" kern="1200" cap="none" spc="0" normalizeH="0" baseline="0" noProof="0">
+                <a:ln>
+                  <a:noFill/>
+                </a:ln>
+                <a:solidFill>
+                  <a:prstClr val="black"/>
+                </a:solidFill>
+                <a:effectLst/>
+                <a:uLnTx/>
+                <a:uFillTx/>
+                <a:latin typeface="黑体" panose="02010609060101010101" pitchFamily="49" charset="-122"/>
+                <a:ea typeface="黑体" panose="02010609060101010101" pitchFamily="49" charset="-122"/>
+                <a:cs typeface="+mn-cs"/>
+              </a:endParaRPr>
+            </a:p>
+          </p:txBody>
+        </p:sp>
+      </p:grpSp>
+      <p:cxnSp>
+        <p:nvCxnSpPr>
+          <p:cNvPr id="3" name="直接连接符 2">
+            <a:extLst>
+              <a:ext uri="{FF2B5EF4-FFF2-40B4-BE49-F238E27FC236}">
+                <a16:creationId xmlns:a16="http://schemas.microsoft.com/office/drawing/2014/main" id="{DEC61C0E-866C-B615-049F-BA3FD5EC216F}"/>
+              </a:ext>
+            </a:extLst>
+          </p:cNvPr>
+          <p:cNvCxnSpPr>
+            <a:cxnSpLocks/>
+            <a:stCxn id="32" idx="6"/>
+            <a:endCxn id="7" idx="2"/>
+          </p:cNvCxnSpPr>
+          <p:nvPr/>
+        </p:nvCxnSpPr>
+        <p:spPr>
+          <a:xfrm>
+            <a:off x="3726837" y="1054530"/>
+            <a:ext cx="2041965" cy="103960"/>
+          </a:xfrm>
+          <a:prstGeom prst="line">
+            <a:avLst/>
+          </a:prstGeom>
+          <a:ln w="76200">
+            <a:solidFill>
+              <a:srgbClr val="00B050"/>
+            </a:solidFill>
+          </a:ln>
+        </p:spPr>
+        <p:style>
+          <a:lnRef idx="1">
+            <a:schemeClr val="accent1"/>
+          </a:lnRef>
+          <a:fillRef idx="0">
+            <a:schemeClr val="accent1"/>
+          </a:fillRef>
+          <a:effectRef idx="0">
+            <a:schemeClr val="accent1"/>
+          </a:effectRef>
+          <a:fontRef idx="minor">
+            <a:schemeClr val="tx1"/>
+          </a:fontRef>
+        </p:style>
+      </p:cxnSp>
+      <p:sp>
+        <p:nvSpPr>
+          <p:cNvPr id="20" name="文本框 19">
+            <a:extLst>
+              <a:ext uri="{FF2B5EF4-FFF2-40B4-BE49-F238E27FC236}">
+                <a16:creationId xmlns:a16="http://schemas.microsoft.com/office/drawing/2014/main" id="{46626241-4580-E326-332D-9C3370261C5B}"/>
+              </a:ext>
+            </a:extLst>
+          </p:cNvPr>
+          <p:cNvSpPr txBox="1"/>
+          <p:nvPr/>
+        </p:nvSpPr>
+        <p:spPr>
+          <a:xfrm>
+            <a:off x="3614847" y="2913669"/>
+            <a:ext cx="421180" cy="1015663"/>
+          </a:xfrm>
+          <a:prstGeom prst="rect">
+            <a:avLst/>
+          </a:prstGeom>
+          <a:noFill/>
+        </p:spPr>
+        <p:txBody>
+          <a:bodyPr wrap="square" rtlCol="0">
+            <a:spAutoFit/>
+          </a:bodyPr>
+          <a:lstStyle/>
+          <a:p>
+            <a:pPr marL="0" marR="0" lvl="0" indent="0" algn="l" defTabSz="457200" rtl="0" eaLnBrk="1" fontAlgn="auto" latinLnBrk="0" hangingPunct="1">
+              <a:lnSpc>
+                <a:spcPct val="100000"/>
+              </a:lnSpc>
+              <a:spcBef>
+                <a:spcPts val="0"/>
+              </a:spcBef>
+              <a:spcAft>
+                <a:spcPts val="0"/>
+              </a:spcAft>
+              <a:buClrTx/>
+              <a:buSzTx/>
+              <a:buFontTx/>
+              <a:buNone/>
+              <a:tabLst/>
+              <a:defRPr/>
+            </a:pPr>
+            <a:r>
+              <a:rPr kumimoji="0" lang="en-US" altLang="zh-CN" sz="6000" b="0" i="0" u="none" strike="noStrike" kern="1200" cap="none" spc="0" normalizeH="0" baseline="0" noProof="0">
+                <a:ln>
+                  <a:noFill/>
+                </a:ln>
+                <a:solidFill>
+                  <a:srgbClr val="00B050"/>
+                </a:solidFill>
+                <a:effectLst/>
+                <a:uLnTx/>
+                <a:uFillTx/>
+                <a:latin typeface="黑体" panose="02010609060101010101" pitchFamily="49" charset="-122"/>
+                <a:ea typeface="黑体" panose="02010609060101010101" pitchFamily="49" charset="-122"/>
+                <a:cs typeface="+mn-cs"/>
+              </a:rPr>
+              <a:t>2</a:t>
+            </a:r>
+            <a:endParaRPr kumimoji="0" lang="zh-CN" altLang="en-US" sz="6000" b="0" i="0" u="none" strike="noStrike" kern="1200" cap="none" spc="0" normalizeH="0" baseline="0" noProof="0">
+              <a:ln>
+                <a:noFill/>
+              </a:ln>
+              <a:solidFill>
+                <a:srgbClr val="00B050"/>
+              </a:solidFill>
+              <a:effectLst/>
+              <a:uLnTx/>
+              <a:uFillTx/>
+              <a:latin typeface="黑体" panose="02010609060101010101" pitchFamily="49" charset="-122"/>
+              <a:ea typeface="黑体" panose="02010609060101010101" pitchFamily="49" charset="-122"/>
+              <a:cs typeface="+mn-cs"/>
+            </a:endParaRPr>
+          </a:p>
+        </p:txBody>
+      </p:sp>
+      <p:sp>
+        <p:nvSpPr>
+          <p:cNvPr id="25" name="文本框 24">
+            <a:extLst>
+              <a:ext uri="{FF2B5EF4-FFF2-40B4-BE49-F238E27FC236}">
+                <a16:creationId xmlns:a16="http://schemas.microsoft.com/office/drawing/2014/main" id="{A7C729D2-14F4-5A16-F3BD-E31F0FD5B19E}"/>
+              </a:ext>
+            </a:extLst>
+          </p:cNvPr>
+          <p:cNvSpPr txBox="1"/>
+          <p:nvPr/>
+        </p:nvSpPr>
+        <p:spPr>
+          <a:xfrm>
+            <a:off x="4664293" y="3937329"/>
+            <a:ext cx="421180" cy="1015663"/>
+          </a:xfrm>
+          <a:prstGeom prst="rect">
+            <a:avLst/>
+          </a:prstGeom>
+          <a:noFill/>
+        </p:spPr>
+        <p:txBody>
+          <a:bodyPr wrap="square" rtlCol="0">
+            <a:spAutoFit/>
+          </a:bodyPr>
+          <a:lstStyle/>
+          <a:p>
+            <a:pPr marL="0" marR="0" lvl="0" indent="0" algn="l" defTabSz="457200" rtl="0" eaLnBrk="1" fontAlgn="auto" latinLnBrk="0" hangingPunct="1">
+              <a:lnSpc>
+                <a:spcPct val="100000"/>
+              </a:lnSpc>
+              <a:spcBef>
+                <a:spcPts val="0"/>
+              </a:spcBef>
+              <a:spcAft>
+                <a:spcPts val="0"/>
+              </a:spcAft>
+              <a:buClrTx/>
+              <a:buSzTx/>
+              <a:buFontTx/>
+              <a:buNone/>
+              <a:tabLst/>
+              <a:defRPr/>
+            </a:pPr>
+            <a:r>
+              <a:rPr lang="en-US" altLang="zh-CN" sz="6000">
+                <a:solidFill>
+                  <a:srgbClr val="00B050"/>
+                </a:solidFill>
+                <a:latin typeface="黑体" panose="02010609060101010101" pitchFamily="49" charset="-122"/>
+                <a:ea typeface="黑体" panose="02010609060101010101" pitchFamily="49" charset="-122"/>
+              </a:rPr>
+              <a:t>4</a:t>
+            </a:r>
+            <a:endParaRPr kumimoji="0" lang="zh-CN" altLang="en-US" sz="6000" b="0" i="0" u="none" strike="noStrike" kern="1200" cap="none" spc="0" normalizeH="0" baseline="0" noProof="0">
+              <a:ln>
+                <a:noFill/>
+              </a:ln>
+              <a:solidFill>
+                <a:srgbClr val="00B050"/>
+              </a:solidFill>
+              <a:effectLst/>
+              <a:uLnTx/>
+              <a:uFillTx/>
+              <a:latin typeface="黑体" panose="02010609060101010101" pitchFamily="49" charset="-122"/>
+              <a:ea typeface="黑体" panose="02010609060101010101" pitchFamily="49" charset="-122"/>
+              <a:cs typeface="+mn-cs"/>
+            </a:endParaRPr>
+          </a:p>
+        </p:txBody>
+      </p:sp>
+      <p:sp>
+        <p:nvSpPr>
+          <p:cNvPr id="26" name="文本框 25">
+            <a:extLst>
+              <a:ext uri="{FF2B5EF4-FFF2-40B4-BE49-F238E27FC236}">
+                <a16:creationId xmlns:a16="http://schemas.microsoft.com/office/drawing/2014/main" id="{4E5BD306-AD38-3B5B-BBF4-6D6A80F01094}"/>
+              </a:ext>
+            </a:extLst>
+          </p:cNvPr>
+          <p:cNvSpPr txBox="1"/>
+          <p:nvPr/>
+        </p:nvSpPr>
+        <p:spPr>
+          <a:xfrm>
+            <a:off x="3183527" y="1533447"/>
+            <a:ext cx="421180" cy="1015663"/>
+          </a:xfrm>
+          <a:prstGeom prst="rect">
+            <a:avLst/>
+          </a:prstGeom>
+          <a:noFill/>
+        </p:spPr>
+        <p:txBody>
+          <a:bodyPr wrap="square" rtlCol="0">
+            <a:spAutoFit/>
+          </a:bodyPr>
+          <a:lstStyle/>
+          <a:p>
+            <a:pPr marL="0" marR="0" lvl="0" indent="0" algn="l" defTabSz="457200" rtl="0" eaLnBrk="1" fontAlgn="auto" latinLnBrk="0" hangingPunct="1">
+              <a:lnSpc>
+                <a:spcPct val="100000"/>
+              </a:lnSpc>
+              <a:spcBef>
+                <a:spcPts val="0"/>
+              </a:spcBef>
+              <a:spcAft>
+                <a:spcPts val="0"/>
+              </a:spcAft>
+              <a:buClrTx/>
+              <a:buSzTx/>
+              <a:buFontTx/>
+              <a:buNone/>
+              <a:tabLst/>
+              <a:defRPr/>
+            </a:pPr>
+            <a:r>
+              <a:rPr kumimoji="0" lang="en-US" altLang="zh-CN" sz="6000" b="0" i="0" u="none" strike="noStrike" kern="1200" cap="none" spc="0" normalizeH="0" baseline="0" noProof="0">
+                <a:ln>
+                  <a:noFill/>
+                </a:ln>
+                <a:solidFill>
+                  <a:srgbClr val="00B050"/>
+                </a:solidFill>
+                <a:effectLst/>
+                <a:uLnTx/>
+                <a:uFillTx/>
+                <a:latin typeface="黑体" panose="02010609060101010101" pitchFamily="49" charset="-122"/>
+                <a:ea typeface="黑体" panose="02010609060101010101" pitchFamily="49" charset="-122"/>
+                <a:cs typeface="+mn-cs"/>
+              </a:rPr>
+              <a:t>1</a:t>
+            </a:r>
+            <a:endParaRPr kumimoji="0" lang="zh-CN" altLang="en-US" sz="6000" b="0" i="0" u="none" strike="noStrike" kern="1200" cap="none" spc="0" normalizeH="0" baseline="0" noProof="0">
+              <a:ln>
+                <a:noFill/>
+              </a:ln>
+              <a:solidFill>
+                <a:srgbClr val="00B050"/>
+              </a:solidFill>
+              <a:effectLst/>
+              <a:uLnTx/>
+              <a:uFillTx/>
+              <a:latin typeface="黑体" panose="02010609060101010101" pitchFamily="49" charset="-122"/>
+              <a:ea typeface="黑体" panose="02010609060101010101" pitchFamily="49" charset="-122"/>
+              <a:cs typeface="+mn-cs"/>
+            </a:endParaRPr>
+          </a:p>
+        </p:txBody>
+      </p:sp>
+      <p:sp>
+        <p:nvSpPr>
+          <p:cNvPr id="27" name="文本框 26">
+            <a:extLst>
+              <a:ext uri="{FF2B5EF4-FFF2-40B4-BE49-F238E27FC236}">
+                <a16:creationId xmlns:a16="http://schemas.microsoft.com/office/drawing/2014/main" id="{FBCF560C-4AD9-F3D6-309A-ABFD93533ADD}"/>
+              </a:ext>
+            </a:extLst>
+          </p:cNvPr>
+          <p:cNvSpPr txBox="1"/>
+          <p:nvPr/>
+        </p:nvSpPr>
+        <p:spPr>
+          <a:xfrm>
+            <a:off x="5417766" y="1740481"/>
+            <a:ext cx="421180" cy="1015663"/>
+          </a:xfrm>
+          <a:prstGeom prst="rect">
+            <a:avLst/>
+          </a:prstGeom>
+          <a:noFill/>
+        </p:spPr>
+        <p:txBody>
+          <a:bodyPr wrap="square" rtlCol="0">
+            <a:spAutoFit/>
+          </a:bodyPr>
+          <a:lstStyle/>
+          <a:p>
+            <a:pPr marL="0" marR="0" lvl="0" indent="0" algn="l" defTabSz="457200" rtl="0" eaLnBrk="1" fontAlgn="auto" latinLnBrk="0" hangingPunct="1">
+              <a:lnSpc>
+                <a:spcPct val="100000"/>
+              </a:lnSpc>
+              <a:spcBef>
+                <a:spcPts val="0"/>
+              </a:spcBef>
+              <a:spcAft>
+                <a:spcPts val="0"/>
+              </a:spcAft>
+              <a:buClrTx/>
+              <a:buSzTx/>
+              <a:buFontTx/>
+              <a:buNone/>
+              <a:tabLst/>
+              <a:defRPr/>
+            </a:pPr>
+            <a:r>
+              <a:rPr lang="en-US" altLang="zh-CN" sz="6000">
+                <a:solidFill>
+                  <a:srgbClr val="00B050"/>
+                </a:solidFill>
+                <a:latin typeface="黑体" panose="02010609060101010101" pitchFamily="49" charset="-122"/>
+                <a:ea typeface="黑体" panose="02010609060101010101" pitchFamily="49" charset="-122"/>
+              </a:rPr>
+              <a:t>5</a:t>
+            </a:r>
+            <a:endParaRPr kumimoji="0" lang="zh-CN" altLang="en-US" sz="6000" b="0" i="0" u="none" strike="noStrike" kern="1200" cap="none" spc="0" normalizeH="0" baseline="0" noProof="0">
+              <a:ln>
+                <a:noFill/>
+              </a:ln>
+              <a:solidFill>
+                <a:srgbClr val="00B050"/>
+              </a:solidFill>
+              <a:effectLst/>
+              <a:uLnTx/>
+              <a:uFillTx/>
+              <a:latin typeface="黑体" panose="02010609060101010101" pitchFamily="49" charset="-122"/>
+              <a:ea typeface="黑体" panose="02010609060101010101" pitchFamily="49" charset="-122"/>
+              <a:cs typeface="+mn-cs"/>
+            </a:endParaRPr>
+          </a:p>
+        </p:txBody>
+      </p:sp>
+      <p:sp>
+        <p:nvSpPr>
+          <p:cNvPr id="28" name="文本框 27">
+            <a:extLst>
+              <a:ext uri="{FF2B5EF4-FFF2-40B4-BE49-F238E27FC236}">
+                <a16:creationId xmlns:a16="http://schemas.microsoft.com/office/drawing/2014/main" id="{0F971326-678A-01A7-C9D5-19AACF84A3FB}"/>
+              </a:ext>
+            </a:extLst>
+          </p:cNvPr>
+          <p:cNvSpPr txBox="1"/>
+          <p:nvPr/>
+        </p:nvSpPr>
+        <p:spPr>
+          <a:xfrm>
+            <a:off x="4589631" y="144596"/>
+            <a:ext cx="421180" cy="1015663"/>
+          </a:xfrm>
+          <a:prstGeom prst="rect">
+            <a:avLst/>
+          </a:prstGeom>
+          <a:noFill/>
+        </p:spPr>
+        <p:txBody>
+          <a:bodyPr wrap="square" rtlCol="0">
+            <a:spAutoFit/>
+          </a:bodyPr>
+          <a:lstStyle/>
+          <a:p>
+            <a:pPr marL="0" marR="0" lvl="0" indent="0" algn="l" defTabSz="457200" rtl="0" eaLnBrk="1" fontAlgn="auto" latinLnBrk="0" hangingPunct="1">
+              <a:lnSpc>
+                <a:spcPct val="100000"/>
+              </a:lnSpc>
+              <a:spcBef>
+                <a:spcPts val="0"/>
+              </a:spcBef>
+              <a:spcAft>
+                <a:spcPts val="0"/>
+              </a:spcAft>
+              <a:buClrTx/>
+              <a:buSzTx/>
+              <a:buFontTx/>
+              <a:buNone/>
+              <a:tabLst/>
+              <a:defRPr/>
+            </a:pPr>
+            <a:r>
+              <a:rPr lang="en-US" altLang="zh-CN" sz="6000">
+                <a:solidFill>
+                  <a:srgbClr val="00B050"/>
+                </a:solidFill>
+                <a:latin typeface="黑体" panose="02010609060101010101" pitchFamily="49" charset="-122"/>
+                <a:ea typeface="黑体" panose="02010609060101010101" pitchFamily="49" charset="-122"/>
+              </a:rPr>
+              <a:t>3</a:t>
+            </a:r>
+            <a:endParaRPr kumimoji="0" lang="zh-CN" altLang="en-US" sz="6000" b="0" i="0" u="none" strike="noStrike" kern="1200" cap="none" spc="0" normalizeH="0" baseline="0" noProof="0">
+              <a:ln>
+                <a:noFill/>
+              </a:ln>
+              <a:solidFill>
+                <a:srgbClr val="00B050"/>
+              </a:solidFill>
+              <a:effectLst/>
+              <a:uLnTx/>
+              <a:uFillTx/>
+              <a:latin typeface="黑体" panose="02010609060101010101" pitchFamily="49" charset="-122"/>
+              <a:ea typeface="黑体" panose="02010609060101010101" pitchFamily="49" charset="-122"/>
+              <a:cs typeface="+mn-cs"/>
+            </a:endParaRPr>
+          </a:p>
+        </p:txBody>
+      </p:sp>
+    </p:spTree>
+    <p:extLst>
+      <p:ext uri="{BB962C8B-B14F-4D97-AF65-F5344CB8AC3E}">
+        <p14:creationId xmlns:p14="http://schemas.microsoft.com/office/powerpoint/2010/main" val="2404397345"/>
+      </p:ext>
+    </p:extLst>
+  </p:cSld>
+  <p:clrMapOvr>
+    <a:masterClrMapping/>
+  </p:clrMapOvr>
+</p:sld>
+</file>
+
 <file path=ppt/theme/theme1.xml><?xml version="1.0" encoding="utf-8"?>
 <a:theme xmlns:a="http://schemas.openxmlformats.org/drawingml/2006/main" name="Office 主题​​">
   <a:themeElements>
